--- a/1st project/1차 프로젝트.pptx
+++ b/1st project/1차 프로젝트.pptx
@@ -3709,37 +3709,26 @@
               </a:lnSpc>
             </a:pPr>
             <a:r>
-              <a:rPr lang="ko-KR" altLang="en-US" b="1" dirty="0" smtClean="0">
-                <a:latin typeface="+mn-ea"/>
-              </a:rPr>
+              <a:rPr lang="ko-KR" altLang="en-US" b="1" dirty="0" smtClean="0"/>
               <a:t>■ 영화</a:t>
             </a:r>
             <a:r>
-              <a:rPr lang="en-US" altLang="ko-KR" b="1" dirty="0" smtClean="0">
-                <a:latin typeface="+mn-ea"/>
-              </a:rPr>
+              <a:rPr lang="en-US" altLang="ko-KR" b="1" dirty="0" smtClean="0"/>
               <a:t>/</a:t>
             </a:r>
             <a:r>
-              <a:rPr lang="ko-KR" altLang="en-US" b="1" dirty="0" smtClean="0">
-                <a:latin typeface="+mn-ea"/>
-              </a:rPr>
+              <a:rPr lang="ko-KR" altLang="en-US" b="1" dirty="0" smtClean="0"/>
               <a:t>공연</a:t>
             </a:r>
             <a:r>
-              <a:rPr lang="en-US" altLang="ko-KR" b="1" dirty="0" smtClean="0">
-                <a:latin typeface="+mn-ea"/>
-              </a:rPr>
+              <a:rPr lang="en-US" altLang="ko-KR" b="1" dirty="0" smtClean="0"/>
               <a:t>/</a:t>
             </a:r>
             <a:r>
-              <a:rPr lang="ko-KR" altLang="en-US" b="1" dirty="0" smtClean="0">
-                <a:latin typeface="+mn-ea"/>
-              </a:rPr>
+              <a:rPr lang="ko-KR" altLang="en-US" b="1" dirty="0" smtClean="0"/>
               <a:t>뮤지컬 등 네티즌 반응 분석하기</a:t>
             </a:r>
             <a:endParaRPr lang="en-US" altLang="ko-KR" dirty="0" smtClean="0">
-              <a:latin typeface="D2Coding ligature" pitchFamily="49" charset="-127"/>
               <a:ea typeface="D2Coding ligature" pitchFamily="49" charset="-127"/>
             </a:endParaRPr>
           </a:p>
@@ -3749,7 +3738,6 @@
               <a:buAutoNum type="arabicPeriod"/>
             </a:pPr>
             <a:endParaRPr lang="en-US" altLang="ko-KR" sz="1600" dirty="0" smtClean="0">
-              <a:latin typeface="D2Coding ligature" pitchFamily="49" charset="-127"/>
               <a:ea typeface="D2Coding ligature" pitchFamily="49" charset="-127"/>
             </a:endParaRPr>
           </a:p>
@@ -3760,42 +3748,36 @@
             </a:pPr>
             <a:r>
               <a:rPr lang="ko-KR" altLang="en-US" sz="1600" dirty="0" smtClean="0">
-                <a:latin typeface="D2Coding ligature" pitchFamily="49" charset="-127"/>
                 <a:ea typeface="D2Coding ligature" pitchFamily="49" charset="-127"/>
               </a:rPr>
               <a:t>최소한 </a:t>
             </a:r>
             <a:r>
               <a:rPr lang="en-US" altLang="ko-KR" sz="1600" dirty="0" smtClean="0">
-                <a:latin typeface="D2Coding ligature" pitchFamily="49" charset="-127"/>
                 <a:ea typeface="D2Coding ligature" pitchFamily="49" charset="-127"/>
               </a:rPr>
               <a:t>1</a:t>
             </a:r>
             <a:r>
               <a:rPr lang="ko-KR" altLang="en-US" sz="1600" dirty="0" smtClean="0">
-                <a:latin typeface="D2Coding ligature" pitchFamily="49" charset="-127"/>
                 <a:ea typeface="D2Coding ligature" pitchFamily="49" charset="-127"/>
               </a:rPr>
               <a:t>만 단어 이상이 수집되도록 </a:t>
             </a:r>
             <a:r>
               <a:rPr lang="en-US" altLang="ko-KR" sz="1600" dirty="0" smtClean="0">
-                <a:latin typeface="D2Coding ligature" pitchFamily="49" charset="-127"/>
                 <a:ea typeface="D2Coding ligature" pitchFamily="49" charset="-127"/>
               </a:rPr>
               <a:t>Crawling</a:t>
             </a:r>
             <a:r>
               <a:rPr lang="ko-KR" altLang="en-US" sz="1600" dirty="0" smtClean="0">
-                <a:latin typeface="D2Coding ligature" pitchFamily="49" charset="-127"/>
                 <a:ea typeface="D2Coding ligature" pitchFamily="49" charset="-127"/>
               </a:rPr>
               <a:t>을 할 것</a:t>
             </a:r>
             <a:r>
               <a:rPr lang="en-US" altLang="ko-KR" sz="1600" dirty="0" smtClean="0">
-                <a:latin typeface="D2Coding ligature" pitchFamily="49" charset="-127"/>
                 <a:ea typeface="D2Coding ligature" pitchFamily="49" charset="-127"/>
               </a:rPr>
               <a:t>.</a:t>
@@ -3807,7 +3789,6 @@
               <a:buAutoNum type="arabicPeriod"/>
             </a:pPr>
             <a:endParaRPr lang="en-US" altLang="ko-KR" sz="1600" dirty="0">
-              <a:latin typeface="D2Coding ligature" pitchFamily="49" charset="-127"/>
               <a:ea typeface="D2Coding ligature" pitchFamily="49" charset="-127"/>
             </a:endParaRPr>
           </a:p>
@@ -3818,14 +3799,12 @@
             </a:pPr>
             <a:r>
               <a:rPr lang="ko-KR" altLang="en-US" sz="1600" dirty="0" smtClean="0">
-                <a:latin typeface="D2Coding ligature" pitchFamily="49" charset="-127"/>
                 <a:ea typeface="D2Coding ligature" pitchFamily="49" charset="-127"/>
               </a:rPr>
               <a:t>수집된 자료로부터 네티즌 반응에 대한 분석을 할 것</a:t>
             </a:r>
             <a:r>
               <a:rPr lang="en-US" altLang="ko-KR" sz="1600" dirty="0" smtClean="0">
-                <a:latin typeface="D2Coding ligature" pitchFamily="49" charset="-127"/>
                 <a:ea typeface="D2Coding ligature" pitchFamily="49" charset="-127"/>
               </a:rPr>
               <a:t>.</a:t>
@@ -3838,20 +3817,17 @@
             </a:pPr>
             <a:r>
               <a:rPr lang="en-US" altLang="ko-KR" sz="1600" dirty="0" smtClean="0">
-                <a:latin typeface="D2Coding ligature" pitchFamily="49" charset="-127"/>
                 <a:ea typeface="D2Coding ligature" pitchFamily="49" charset="-127"/>
               </a:rPr>
               <a:t>Word Cloud</a:t>
             </a:r>
             <a:r>
               <a:rPr lang="ko-KR" altLang="en-US" sz="1600" dirty="0" smtClean="0">
-                <a:latin typeface="D2Coding ligature" pitchFamily="49" charset="-127"/>
                 <a:ea typeface="D2Coding ligature" pitchFamily="49" charset="-127"/>
               </a:rPr>
               <a:t>를 만들 것</a:t>
             </a:r>
             <a:endParaRPr lang="en-US" altLang="ko-KR" sz="1600" dirty="0" smtClean="0">
-              <a:latin typeface="D2Coding ligature" pitchFamily="49" charset="-127"/>
               <a:ea typeface="D2Coding ligature" pitchFamily="49" charset="-127"/>
             </a:endParaRPr>
           </a:p>
@@ -3862,27 +3838,23 @@
             </a:pPr>
             <a:r>
               <a:rPr lang="ko-KR" altLang="en-US" sz="1600" dirty="0" err="1" smtClean="0">
-                <a:latin typeface="D2Coding ligature" pitchFamily="49" charset="-127"/>
                 <a:ea typeface="D2Coding ligature" pitchFamily="49" charset="-127"/>
               </a:rPr>
               <a:t>일자별</a:t>
             </a:r>
             <a:r>
               <a:rPr lang="en-US" altLang="ko-KR" sz="1600" dirty="0" smtClean="0">
-                <a:latin typeface="D2Coding ligature" pitchFamily="49" charset="-127"/>
                 <a:ea typeface="D2Coding ligature" pitchFamily="49" charset="-127"/>
               </a:rPr>
               <a:t>/</a:t>
             </a:r>
             <a:r>
               <a:rPr lang="ko-KR" altLang="en-US" sz="1600" dirty="0" smtClean="0">
-                <a:latin typeface="D2Coding ligature" pitchFamily="49" charset="-127"/>
                 <a:ea typeface="D2Coding ligature" pitchFamily="49" charset="-127"/>
               </a:rPr>
               <a:t>시간대별 평점 분석을 할 것</a:t>
             </a:r>
             <a:endParaRPr lang="en-US" altLang="ko-KR" sz="1600" dirty="0" smtClean="0">
-              <a:latin typeface="D2Coding ligature" pitchFamily="49" charset="-127"/>
               <a:ea typeface="D2Coding ligature" pitchFamily="49" charset="-127"/>
             </a:endParaRPr>
           </a:p>
@@ -3893,20 +3865,17 @@
             </a:pPr>
             <a:r>
               <a:rPr lang="ko-KR" altLang="en-US" sz="1600" dirty="0" smtClean="0">
-                <a:latin typeface="D2Coding ligature" pitchFamily="49" charset="-127"/>
                 <a:ea typeface="D2Coding ligature" pitchFamily="49" charset="-127"/>
               </a:rPr>
               <a:t>기</a:t>
             </a:r>
             <a:r>
               <a:rPr lang="ko-KR" altLang="en-US" sz="1600" dirty="0">
-                <a:latin typeface="D2Coding ligature" pitchFamily="49" charset="-127"/>
                 <a:ea typeface="D2Coding ligature" pitchFamily="49" charset="-127"/>
               </a:rPr>
               <a:t>타</a:t>
             </a:r>
             <a:endParaRPr lang="en-US" altLang="ko-KR" sz="1600" dirty="0">
-              <a:latin typeface="D2Coding ligature" pitchFamily="49" charset="-127"/>
               <a:ea typeface="D2Coding ligature" pitchFamily="49" charset="-127"/>
             </a:endParaRPr>
           </a:p>
@@ -3916,7 +3885,6 @@
               <a:buChar char="§"/>
             </a:pPr>
             <a:endParaRPr lang="en-US" altLang="ko-KR" sz="1600" dirty="0">
-              <a:latin typeface="D2Coding ligature" pitchFamily="49" charset="-127"/>
               <a:ea typeface="D2Coding ligature" pitchFamily="49" charset="-127"/>
             </a:endParaRPr>
           </a:p>
@@ -3927,42 +3895,36 @@
             </a:pPr>
             <a:r>
               <a:rPr lang="ko-KR" altLang="en-US" sz="1600" dirty="0" smtClean="0">
-                <a:latin typeface="D2Coding ligature" pitchFamily="49" charset="-127"/>
                 <a:ea typeface="D2Coding ligature" pitchFamily="49" charset="-127"/>
               </a:rPr>
               <a:t>보고서는 </a:t>
             </a:r>
             <a:r>
               <a:rPr lang="en-US" altLang="ko-KR" sz="1600" dirty="0" smtClean="0">
-                <a:latin typeface="D2Coding ligature" pitchFamily="49" charset="-127"/>
                 <a:ea typeface="D2Coding ligature" pitchFamily="49" charset="-127"/>
               </a:rPr>
               <a:t>R Markdown</a:t>
             </a:r>
             <a:r>
               <a:rPr lang="ko-KR" altLang="en-US" sz="1600" dirty="0" smtClean="0">
-                <a:latin typeface="D2Coding ligature" pitchFamily="49" charset="-127"/>
                 <a:ea typeface="D2Coding ligature" pitchFamily="49" charset="-127"/>
               </a:rPr>
               <a:t>으로 만들고 </a:t>
             </a:r>
             <a:r>
               <a:rPr lang="en-US" altLang="ko-KR" sz="1600" dirty="0" smtClean="0">
-                <a:latin typeface="D2Coding ligature" pitchFamily="49" charset="-127"/>
                 <a:ea typeface="D2Coding ligature" pitchFamily="49" charset="-127"/>
               </a:rPr>
               <a:t>html </a:t>
             </a:r>
             <a:r>
               <a:rPr lang="ko-KR" altLang="en-US" sz="1600" dirty="0" smtClean="0">
-                <a:latin typeface="D2Coding ligature" pitchFamily="49" charset="-127"/>
                 <a:ea typeface="D2Coding ligature" pitchFamily="49" charset="-127"/>
               </a:rPr>
               <a:t>파일로 변환하여 제출할 것</a:t>
             </a:r>
             <a:r>
               <a:rPr lang="en-US" altLang="ko-KR" sz="1600" dirty="0" smtClean="0">
-                <a:latin typeface="D2Coding ligature" pitchFamily="49" charset="-127"/>
                 <a:ea typeface="D2Coding ligature" pitchFamily="49" charset="-127"/>
               </a:rPr>
               <a:t>.</a:t>
@@ -3974,7 +3936,6 @@
               <a:buAutoNum type="arabicPeriod"/>
             </a:pPr>
             <a:endParaRPr lang="en-US" altLang="ko-KR" sz="1600" dirty="0">
-              <a:latin typeface="D2Coding ligature" pitchFamily="49" charset="-127"/>
               <a:ea typeface="D2Coding ligature" pitchFamily="49" charset="-127"/>
             </a:endParaRPr>
           </a:p>
@@ -3985,13 +3946,11 @@
             </a:pPr>
             <a:r>
               <a:rPr lang="ko-KR" altLang="en-US" sz="1600" dirty="0" smtClean="0">
-                <a:latin typeface="D2Coding ligature" pitchFamily="49" charset="-127"/>
                 <a:ea typeface="D2Coding ligature" pitchFamily="49" charset="-127"/>
               </a:rPr>
               <a:t>일정</a:t>
             </a:r>
             <a:endParaRPr lang="en-US" altLang="ko-KR" sz="1600" dirty="0" smtClean="0">
-              <a:latin typeface="D2Coding ligature" pitchFamily="49" charset="-127"/>
               <a:ea typeface="D2Coding ligature" pitchFamily="49" charset="-127"/>
             </a:endParaRPr>
           </a:p>
@@ -4002,41 +3961,35 @@
             </a:pPr>
             <a:r>
               <a:rPr lang="ko-KR" altLang="en-US" sz="1600" dirty="0" smtClean="0">
-                <a:latin typeface="D2Coding ligature" pitchFamily="49" charset="-127"/>
                 <a:ea typeface="D2Coding ligature" pitchFamily="49" charset="-127"/>
               </a:rPr>
               <a:t>제출 기한</a:t>
             </a:r>
             <a:r>
               <a:rPr lang="en-US" altLang="ko-KR" sz="1600" dirty="0" smtClean="0">
-                <a:latin typeface="D2Coding ligature" pitchFamily="49" charset="-127"/>
                 <a:ea typeface="D2Coding ligature" pitchFamily="49" charset="-127"/>
               </a:rPr>
               <a:t>: 7/9(</a:t>
             </a:r>
             <a:r>
               <a:rPr lang="ko-KR" altLang="en-US" sz="1600" dirty="0" smtClean="0">
-                <a:latin typeface="D2Coding ligature" pitchFamily="49" charset="-127"/>
                 <a:ea typeface="D2Coding ligature" pitchFamily="49" charset="-127"/>
               </a:rPr>
               <a:t>화</a:t>
             </a:r>
             <a:r>
               <a:rPr lang="en-US" altLang="ko-KR" sz="1600" dirty="0" smtClean="0">
-                <a:latin typeface="D2Coding ligature" pitchFamily="49" charset="-127"/>
                 <a:ea typeface="D2Coding ligature" pitchFamily="49" charset="-127"/>
               </a:rPr>
               <a:t>) </a:t>
             </a:r>
             <a:r>
               <a:rPr lang="ko-KR" altLang="en-US" sz="1600" dirty="0" smtClean="0">
-                <a:latin typeface="D2Coding ligature" pitchFamily="49" charset="-127"/>
                 <a:ea typeface="D2Coding ligature" pitchFamily="49" charset="-127"/>
               </a:rPr>
               <a:t>점심시간 이전</a:t>
             </a:r>
             <a:endParaRPr lang="en-US" altLang="ko-KR" sz="1600" dirty="0" smtClean="0">
-              <a:latin typeface="D2Coding ligature" pitchFamily="49" charset="-127"/>
               <a:ea typeface="D2Coding ligature" pitchFamily="49" charset="-127"/>
             </a:endParaRPr>
           </a:p>
@@ -4047,41 +4000,35 @@
             </a:pPr>
             <a:r>
               <a:rPr lang="ko-KR" altLang="en-US" sz="1600" dirty="0" smtClean="0">
-                <a:latin typeface="D2Coding ligature" pitchFamily="49" charset="-127"/>
                 <a:ea typeface="D2Coding ligature" pitchFamily="49" charset="-127"/>
               </a:rPr>
               <a:t>발표</a:t>
             </a:r>
             <a:r>
               <a:rPr lang="en-US" altLang="ko-KR" sz="1600" dirty="0" smtClean="0">
-                <a:latin typeface="D2Coding ligature" pitchFamily="49" charset="-127"/>
                 <a:ea typeface="D2Coding ligature" pitchFamily="49" charset="-127"/>
               </a:rPr>
               <a:t>: 7/9(</a:t>
             </a:r>
             <a:r>
               <a:rPr lang="ko-KR" altLang="en-US" sz="1600" dirty="0" smtClean="0">
-                <a:latin typeface="D2Coding ligature" pitchFamily="49" charset="-127"/>
                 <a:ea typeface="D2Coding ligature" pitchFamily="49" charset="-127"/>
               </a:rPr>
               <a:t>화</a:t>
             </a:r>
             <a:r>
               <a:rPr lang="en-US" altLang="ko-KR" sz="1600" dirty="0" smtClean="0">
-                <a:latin typeface="D2Coding ligature" pitchFamily="49" charset="-127"/>
                 <a:ea typeface="D2Coding ligature" pitchFamily="49" charset="-127"/>
               </a:rPr>
               <a:t>) 15:00 </a:t>
             </a:r>
             <a:r>
               <a:rPr lang="ko-KR" altLang="en-US" sz="1600" dirty="0" smtClean="0">
-                <a:latin typeface="D2Coding ligature" pitchFamily="49" charset="-127"/>
                 <a:ea typeface="D2Coding ligature" pitchFamily="49" charset="-127"/>
               </a:rPr>
               <a:t>부터</a:t>
             </a:r>
             <a:endParaRPr lang="en-US" altLang="ko-KR" sz="1600" dirty="0">
-              <a:latin typeface="D2Coding ligature" pitchFamily="49" charset="-127"/>
               <a:ea typeface="D2Coding ligature" pitchFamily="49" charset="-127"/>
             </a:endParaRPr>
           </a:p>
@@ -4203,7 +4150,7 @@
         <p:spPr>
           <a:xfrm>
             <a:off x="353673" y="620688"/>
-            <a:ext cx="8682823" cy="3462486"/>
+            <a:ext cx="8682823" cy="4201150"/>
           </a:xfrm>
           <a:prstGeom prst="rect">
             <a:avLst/>
@@ -4245,48 +4192,41 @@
             </a:pPr>
             <a:r>
               <a:rPr lang="ko-KR" altLang="en-US" sz="1600" dirty="0" smtClean="0">
-                <a:latin typeface="D2Coding ligature" pitchFamily="49" charset="-127"/>
                 <a:ea typeface="D2Coding ligature" pitchFamily="49" charset="-127"/>
               </a:rPr>
               <a:t>교재 </a:t>
             </a:r>
             <a:r>
               <a:rPr lang="en-US" altLang="ko-KR" sz="1600" dirty="0" err="1" smtClean="0">
-                <a:latin typeface="D2Coding ligature" pitchFamily="49" charset="-127"/>
                 <a:ea typeface="D2Coding ligature" pitchFamily="49" charset="-127"/>
               </a:rPr>
               <a:t>pp</a:t>
             </a:r>
             <a:r>
               <a:rPr lang="en-US" altLang="ko-KR" sz="1600" dirty="0" smtClean="0">
-                <a:latin typeface="D2Coding ligature" pitchFamily="49" charset="-127"/>
                 <a:ea typeface="D2Coding ligature" pitchFamily="49" charset="-127"/>
               </a:rPr>
               <a:t> 275-293 “</a:t>
             </a:r>
             <a:r>
               <a:rPr lang="ko-KR" altLang="en-US" sz="1600" dirty="0" smtClean="0">
-                <a:latin typeface="D2Coding ligature" pitchFamily="49" charset="-127"/>
                 <a:ea typeface="D2Coding ligature" pitchFamily="49" charset="-127"/>
               </a:rPr>
               <a:t>경상남도 사망률 감소와 의료균형화를 위한 제안</a:t>
             </a:r>
             <a:r>
               <a:rPr lang="en-US" altLang="ko-KR" sz="1600" dirty="0" smtClean="0">
-                <a:latin typeface="D2Coding ligature" pitchFamily="49" charset="-127"/>
                 <a:ea typeface="D2Coding ligature" pitchFamily="49" charset="-127"/>
               </a:rPr>
               <a:t>” </a:t>
             </a:r>
             <a:r>
               <a:rPr lang="ko-KR" altLang="en-US" sz="1600" dirty="0" smtClean="0">
-                <a:latin typeface="D2Coding ligature" pitchFamily="49" charset="-127"/>
                 <a:ea typeface="D2Coding ligature" pitchFamily="49" charset="-127"/>
               </a:rPr>
               <a:t>참조</a:t>
             </a:r>
             <a:endParaRPr lang="en-US" altLang="ko-KR" sz="1600" dirty="0" smtClean="0">
-              <a:latin typeface="D2Coding ligature" pitchFamily="49" charset="-127"/>
               <a:ea typeface="D2Coding ligature" pitchFamily="49" charset="-127"/>
             </a:endParaRPr>
           </a:p>
@@ -4296,7 +4236,6 @@
               <a:buAutoNum type="arabicPeriod"/>
             </a:pPr>
             <a:endParaRPr lang="en-US" altLang="ko-KR" sz="1600" dirty="0">
-              <a:latin typeface="D2Coding ligature" pitchFamily="49" charset="-127"/>
               <a:ea typeface="D2Coding ligature" pitchFamily="49" charset="-127"/>
             </a:endParaRPr>
           </a:p>
@@ -4307,27 +4246,23 @@
             </a:pPr>
             <a:r>
               <a:rPr lang="ko-KR" altLang="en-US" sz="1600" dirty="0" smtClean="0">
-                <a:latin typeface="D2Coding ligature" pitchFamily="49" charset="-127"/>
                 <a:ea typeface="D2Coding ligature" pitchFamily="49" charset="-127"/>
               </a:rPr>
               <a:t>정형</a:t>
             </a:r>
             <a:r>
               <a:rPr lang="en-US" altLang="ko-KR" sz="1600" dirty="0" smtClean="0">
-                <a:latin typeface="D2Coding ligature" pitchFamily="49" charset="-127"/>
                 <a:ea typeface="D2Coding ligature" pitchFamily="49" charset="-127"/>
               </a:rPr>
               <a:t>/</a:t>
             </a:r>
             <a:r>
               <a:rPr lang="ko-KR" altLang="en-US" sz="1600" dirty="0" smtClean="0">
-                <a:latin typeface="D2Coding ligature" pitchFamily="49" charset="-127"/>
                 <a:ea typeface="D2Coding ligature" pitchFamily="49" charset="-127"/>
               </a:rPr>
               <a:t>비정형 데이터 모두를 사용할 것</a:t>
             </a:r>
             <a:endParaRPr lang="en-US" altLang="ko-KR" sz="1600" dirty="0" smtClean="0">
-              <a:latin typeface="D2Coding ligature" pitchFamily="49" charset="-127"/>
               <a:ea typeface="D2Coding ligature" pitchFamily="49" charset="-127"/>
             </a:endParaRPr>
           </a:p>
@@ -4337,7 +4272,6 @@
               <a:buAutoNum type="arabicPeriod"/>
             </a:pPr>
             <a:endParaRPr lang="en-US" altLang="ko-KR" sz="1600" dirty="0">
-              <a:latin typeface="D2Coding ligature" pitchFamily="49" charset="-127"/>
               <a:ea typeface="D2Coding ligature" pitchFamily="49" charset="-127"/>
             </a:endParaRPr>
           </a:p>
@@ -4348,41 +4282,35 @@
             </a:pPr>
             <a:r>
               <a:rPr lang="ko-KR" altLang="en-US" sz="1600" dirty="0" smtClean="0">
-                <a:latin typeface="D2Coding ligature" pitchFamily="49" charset="-127"/>
                 <a:ea typeface="D2Coding ligature" pitchFamily="49" charset="-127"/>
               </a:rPr>
               <a:t>최종 보고서는 파워포인트로 작성하되</a:t>
             </a:r>
             <a:r>
               <a:rPr lang="en-US" altLang="ko-KR" sz="1600" dirty="0" smtClean="0">
-                <a:latin typeface="D2Coding ligature" pitchFamily="49" charset="-127"/>
                 <a:ea typeface="D2Coding ligature" pitchFamily="49" charset="-127"/>
               </a:rPr>
               <a:t>, </a:t>
             </a:r>
             <a:r>
               <a:rPr lang="ko-KR" altLang="en-US" sz="1600" dirty="0" smtClean="0">
-                <a:latin typeface="D2Coding ligature" pitchFamily="49" charset="-127"/>
                 <a:ea typeface="D2Coding ligature" pitchFamily="49" charset="-127"/>
               </a:rPr>
               <a:t>관련 </a:t>
             </a:r>
             <a:r>
               <a:rPr lang="en-US" altLang="ko-KR" sz="1600" dirty="0" smtClean="0">
-                <a:latin typeface="D2Coding ligature" pitchFamily="49" charset="-127"/>
                 <a:ea typeface="D2Coding ligature" pitchFamily="49" charset="-127"/>
               </a:rPr>
               <a:t>R </a:t>
             </a:r>
             <a:r>
               <a:rPr lang="ko-KR" altLang="en-US" sz="1600" dirty="0" smtClean="0">
-                <a:latin typeface="D2Coding ligature" pitchFamily="49" charset="-127"/>
                 <a:ea typeface="D2Coding ligature" pitchFamily="49" charset="-127"/>
               </a:rPr>
               <a:t>프로그램 자료도 같이 제출할 것</a:t>
             </a:r>
             <a:endParaRPr lang="en-US" altLang="ko-KR" sz="1600" dirty="0" smtClean="0">
-              <a:latin typeface="D2Coding ligature" pitchFamily="49" charset="-127"/>
               <a:ea typeface="D2Coding ligature" pitchFamily="49" charset="-127"/>
             </a:endParaRPr>
           </a:p>
@@ -4392,7 +4320,6 @@
               <a:buAutoNum type="arabicPeriod"/>
             </a:pPr>
             <a:endParaRPr lang="en-US" altLang="ko-KR" sz="1600" dirty="0" smtClean="0">
-              <a:latin typeface="D2Coding ligature" pitchFamily="49" charset="-127"/>
               <a:ea typeface="D2Coding ligature" pitchFamily="49" charset="-127"/>
             </a:endParaRPr>
           </a:p>
@@ -4403,13 +4330,11 @@
             </a:pPr>
             <a:r>
               <a:rPr lang="ko-KR" altLang="en-US" sz="1600" dirty="0" smtClean="0">
-                <a:latin typeface="D2Coding ligature" pitchFamily="49" charset="-127"/>
                 <a:ea typeface="D2Coding ligature" pitchFamily="49" charset="-127"/>
               </a:rPr>
               <a:t>일정</a:t>
             </a:r>
             <a:endParaRPr lang="en-US" altLang="ko-KR" sz="1600" dirty="0" smtClean="0">
-              <a:latin typeface="D2Coding ligature" pitchFamily="49" charset="-127"/>
               <a:ea typeface="D2Coding ligature" pitchFamily="49" charset="-127"/>
             </a:endParaRPr>
           </a:p>
@@ -4420,41 +4345,35 @@
             </a:pPr>
             <a:r>
               <a:rPr lang="ko-KR" altLang="en-US" sz="1600" dirty="0" smtClean="0">
-                <a:latin typeface="D2Coding ligature" pitchFamily="49" charset="-127"/>
                 <a:ea typeface="D2Coding ligature" pitchFamily="49" charset="-127"/>
               </a:rPr>
               <a:t>주제 선정</a:t>
             </a:r>
             <a:r>
               <a:rPr lang="en-US" altLang="ko-KR" sz="1600" dirty="0" smtClean="0">
-                <a:latin typeface="D2Coding ligature" pitchFamily="49" charset="-127"/>
                 <a:ea typeface="D2Coding ligature" pitchFamily="49" charset="-127"/>
               </a:rPr>
               <a:t>: 7/11(</a:t>
             </a:r>
             <a:r>
               <a:rPr lang="ko-KR" altLang="en-US" sz="1600" dirty="0" smtClean="0">
-                <a:latin typeface="D2Coding ligature" pitchFamily="49" charset="-127"/>
                 <a:ea typeface="D2Coding ligature" pitchFamily="49" charset="-127"/>
               </a:rPr>
               <a:t>목</a:t>
             </a:r>
             <a:r>
               <a:rPr lang="en-US" altLang="ko-KR" sz="1600" dirty="0" smtClean="0">
-                <a:latin typeface="D2Coding ligature" pitchFamily="49" charset="-127"/>
                 <a:ea typeface="D2Coding ligature" pitchFamily="49" charset="-127"/>
               </a:rPr>
               <a:t>) </a:t>
             </a:r>
             <a:r>
               <a:rPr lang="ko-KR" altLang="en-US" sz="1600" dirty="0" smtClean="0">
-                <a:latin typeface="D2Coding ligature" pitchFamily="49" charset="-127"/>
                 <a:ea typeface="D2Coding ligature" pitchFamily="49" charset="-127"/>
               </a:rPr>
               <a:t>까지</a:t>
             </a:r>
             <a:endParaRPr lang="en-US" altLang="ko-KR" sz="1600" dirty="0" smtClean="0">
-              <a:latin typeface="D2Coding ligature" pitchFamily="49" charset="-127"/>
               <a:ea typeface="D2Coding ligature" pitchFamily="49" charset="-127"/>
             </a:endParaRPr>
           </a:p>
@@ -4465,35 +4384,30 @@
             </a:pPr>
             <a:r>
               <a:rPr lang="en-US" altLang="ko-KR" sz="1600" dirty="0" smtClean="0">
-                <a:latin typeface="D2Coding ligature" pitchFamily="49" charset="-127"/>
                 <a:ea typeface="D2Coding ligature" pitchFamily="49" charset="-127"/>
               </a:rPr>
               <a:t>1</a:t>
             </a:r>
             <a:r>
               <a:rPr lang="ko-KR" altLang="en-US" sz="1600" dirty="0" smtClean="0">
-                <a:latin typeface="D2Coding ligature" pitchFamily="49" charset="-127"/>
                 <a:ea typeface="D2Coding ligature" pitchFamily="49" charset="-127"/>
               </a:rPr>
               <a:t>차  발표</a:t>
             </a:r>
             <a:r>
               <a:rPr lang="en-US" altLang="ko-KR" sz="1600" dirty="0" smtClean="0">
-                <a:latin typeface="D2Coding ligature" pitchFamily="49" charset="-127"/>
                 <a:ea typeface="D2Coding ligature" pitchFamily="49" charset="-127"/>
               </a:rPr>
               <a:t>: 7/18(</a:t>
             </a:r>
             <a:r>
               <a:rPr lang="ko-KR" altLang="en-US" sz="1600" dirty="0" smtClean="0">
-                <a:latin typeface="D2Coding ligature" pitchFamily="49" charset="-127"/>
                 <a:ea typeface="D2Coding ligature" pitchFamily="49" charset="-127"/>
               </a:rPr>
               <a:t>목</a:t>
             </a:r>
             <a:r>
               <a:rPr lang="en-US" altLang="ko-KR" sz="1600" dirty="0" smtClean="0">
-                <a:latin typeface="D2Coding ligature" pitchFamily="49" charset="-127"/>
                 <a:ea typeface="D2Coding ligature" pitchFamily="49" charset="-127"/>
               </a:rPr>
               <a:t>)</a:t>
@@ -4506,35 +4420,30 @@
             </a:pPr>
             <a:r>
               <a:rPr lang="en-US" altLang="ko-KR" sz="1600" dirty="0" smtClean="0">
-                <a:latin typeface="D2Coding ligature" pitchFamily="49" charset="-127"/>
                 <a:ea typeface="D2Coding ligature" pitchFamily="49" charset="-127"/>
               </a:rPr>
               <a:t>2</a:t>
             </a:r>
             <a:r>
               <a:rPr lang="ko-KR" altLang="en-US" sz="1600" dirty="0" smtClean="0">
-                <a:latin typeface="D2Coding ligature" pitchFamily="49" charset="-127"/>
                 <a:ea typeface="D2Coding ligature" pitchFamily="49" charset="-127"/>
               </a:rPr>
               <a:t>차  발표</a:t>
             </a:r>
             <a:r>
               <a:rPr lang="en-US" altLang="ko-KR" sz="1600" dirty="0" smtClean="0">
-                <a:latin typeface="D2Coding ligature" pitchFamily="49" charset="-127"/>
                 <a:ea typeface="D2Coding ligature" pitchFamily="49" charset="-127"/>
               </a:rPr>
               <a:t>: 7/25(</a:t>
             </a:r>
             <a:r>
               <a:rPr lang="ko-KR" altLang="en-US" sz="1600" dirty="0" smtClean="0">
-                <a:latin typeface="D2Coding ligature" pitchFamily="49" charset="-127"/>
                 <a:ea typeface="D2Coding ligature" pitchFamily="49" charset="-127"/>
               </a:rPr>
               <a:t>목</a:t>
             </a:r>
             <a:r>
               <a:rPr lang="en-US" altLang="ko-KR" sz="1600" dirty="0" smtClean="0">
-                <a:latin typeface="D2Coding ligature" pitchFamily="49" charset="-127"/>
                 <a:ea typeface="D2Coding ligature" pitchFamily="49" charset="-127"/>
               </a:rPr>
               <a:t>)</a:t>
@@ -4547,34 +4456,73 @@
             </a:pPr>
             <a:r>
               <a:rPr lang="ko-KR" altLang="en-US" sz="1600" dirty="0" smtClean="0">
-                <a:latin typeface="D2Coding ligature" pitchFamily="49" charset="-127"/>
                 <a:ea typeface="D2Coding ligature" pitchFamily="49" charset="-127"/>
               </a:rPr>
               <a:t>최종 발표</a:t>
             </a:r>
             <a:r>
               <a:rPr lang="en-US" altLang="ko-KR" sz="1600" dirty="0" smtClean="0">
-                <a:latin typeface="D2Coding ligature" pitchFamily="49" charset="-127"/>
                 <a:ea typeface="D2Coding ligature" pitchFamily="49" charset="-127"/>
               </a:rPr>
               <a:t>: 8/2(</a:t>
             </a:r>
             <a:r>
               <a:rPr lang="ko-KR" altLang="en-US" sz="1600" dirty="0" smtClean="0">
-                <a:latin typeface="D2Coding ligature" pitchFamily="49" charset="-127"/>
                 <a:ea typeface="D2Coding ligature" pitchFamily="49" charset="-127"/>
               </a:rPr>
               <a:t>금</a:t>
             </a:r>
             <a:r>
               <a:rPr lang="en-US" altLang="ko-KR" sz="1600" dirty="0" smtClean="0">
-                <a:latin typeface="D2Coding ligature" pitchFamily="49" charset="-127"/>
                 <a:ea typeface="D2Coding ligature" pitchFamily="49" charset="-127"/>
               </a:rPr>
               <a:t>)</a:t>
             </a:r>
+          </a:p>
+          <a:p>
+            <a:pPr marL="1165225" lvl="2" indent="-250825">
+              <a:buFont typeface="Wingdings" pitchFamily="2" charset="2"/>
+              <a:buChar char="§"/>
+            </a:pPr>
             <a:endParaRPr lang="en-US" altLang="ko-KR" sz="1600" dirty="0">
-              <a:latin typeface="D2Coding ligature" pitchFamily="49" charset="-127"/>
+              <a:ea typeface="D2Coding ligature" pitchFamily="49" charset="-127"/>
+            </a:endParaRPr>
+          </a:p>
+          <a:p>
+            <a:pPr marL="1165225" lvl="2" indent="-250825">
+              <a:buFont typeface="Wingdings" pitchFamily="2" charset="2"/>
+              <a:buChar char="§"/>
+            </a:pPr>
+            <a:endParaRPr lang="en-US" altLang="ko-KR" sz="1600" dirty="0" smtClean="0">
+              <a:ea typeface="D2Coding ligature" pitchFamily="49" charset="-127"/>
+            </a:endParaRPr>
+          </a:p>
+          <a:p>
+            <a:r>
+              <a:rPr lang="en-US" altLang="ko-KR" sz="1600" dirty="0" smtClean="0">
+                <a:ea typeface="D2Coding ligature" pitchFamily="49" charset="-127"/>
+              </a:rPr>
+              <a:t>※ </a:t>
+            </a:r>
+            <a:r>
+              <a:rPr lang="ko-KR" altLang="en-US" sz="1600" dirty="0" smtClean="0">
+                <a:ea typeface="D2Coding ligature" pitchFamily="49" charset="-127"/>
+              </a:rPr>
+              <a:t>통계청 경시대회 </a:t>
+            </a:r>
+            <a:r>
+              <a:rPr lang="ko-KR" altLang="en-US" sz="1600" dirty="0" err="1" smtClean="0">
+                <a:ea typeface="D2Coding ligature" pitchFamily="49" charset="-127"/>
+              </a:rPr>
+              <a:t>참가조는</a:t>
+            </a:r>
+            <a:r>
+              <a:rPr lang="ko-KR" altLang="en-US" sz="1600" dirty="0" smtClean="0">
+                <a:ea typeface="D2Coding ligature" pitchFamily="49" charset="-127"/>
+              </a:rPr>
+              <a:t> 경시대회 참가 주제로 보고서를 만들 것</a:t>
+            </a:r>
+            <a:endParaRPr lang="en-US" altLang="ko-KR" sz="1600" dirty="0">
               <a:ea typeface="D2Coding ligature" pitchFamily="49" charset="-127"/>
             </a:endParaRPr>
           </a:p>
@@ -4766,14 +4714,14 @@
           <p:nvPr>
             <p:extLst>
               <p:ext uri="{D42A27DB-BD31-4B8C-83A1-F6EECF244321}">
-                <p14:modId xmlns:p14="http://schemas.microsoft.com/office/powerpoint/2010/main" val="1676637487"/>
+                <p14:modId xmlns:p14="http://schemas.microsoft.com/office/powerpoint/2010/main" val="1877548979"/>
               </p:ext>
             </p:extLst>
           </p:nvPr>
         </p:nvGraphicFramePr>
         <p:xfrm>
           <a:off x="755576" y="1196752"/>
-          <a:ext cx="7488832" cy="2966720"/>
+          <a:ext cx="7488832" cy="2595880"/>
         </p:xfrm>
         <a:graphic>
           <a:graphicData uri="http://schemas.openxmlformats.org/drawingml/2006/table">
@@ -4782,10 +4730,10 @@
                 <a:tableStyleId>{5C22544A-7EE6-4342-B048-85BDC9FD1C3A}</a:tableStyleId>
               </a:tblPr>
               <a:tblGrid>
-                <a:gridCol w="864096"/>
-                <a:gridCol w="4248472"/>
+                <a:gridCol w="648072"/>
+                <a:gridCol w="4824536"/>
+                <a:gridCol w="936104"/>
                 <a:gridCol w="1080120"/>
-                <a:gridCol w="1296144"/>
               </a:tblGrid>
               <a:tr h="370840">
                 <a:tc>
@@ -4799,6 +4747,7 @@
                           <a:solidFill>
                             <a:schemeClr val="tx1"/>
                           </a:solidFill>
+                          <a:latin typeface="+mn-lt"/>
                         </a:rPr>
                         <a:t>조</a:t>
                       </a:r>
@@ -4806,6 +4755,7 @@
                         <a:solidFill>
                           <a:schemeClr val="tx1"/>
                         </a:solidFill>
+                        <a:latin typeface="+mn-lt"/>
                       </a:endParaRPr>
                     </a:p>
                   </a:txBody>
@@ -4860,6 +4810,7 @@
                           <a:solidFill>
                             <a:schemeClr val="tx1"/>
                           </a:solidFill>
+                          <a:latin typeface="+mn-lt"/>
                         </a:rPr>
                         <a:t>인원</a:t>
                       </a:r>
@@ -4867,6 +4818,7 @@
                         <a:solidFill>
                           <a:schemeClr val="tx1"/>
                         </a:solidFill>
+                        <a:latin typeface="+mn-lt"/>
                       </a:endParaRPr>
                     </a:p>
                   </a:txBody>
@@ -4921,6 +4873,7 @@
                           <a:solidFill>
                             <a:schemeClr val="tx1"/>
                           </a:solidFill>
+                          <a:latin typeface="+mn-lt"/>
                         </a:rPr>
                         <a:t>멘토</a:t>
                       </a:r>
@@ -4928,6 +4881,7 @@
                         <a:solidFill>
                           <a:schemeClr val="tx1"/>
                         </a:solidFill>
+                        <a:latin typeface="+mn-lt"/>
                       </a:endParaRPr>
                     </a:p>
                   </a:txBody>
@@ -4982,13 +4936,15 @@
                           <a:solidFill>
                             <a:schemeClr val="tx1"/>
                           </a:solidFill>
+                          <a:latin typeface="+mn-lt"/>
                         </a:rPr>
-                        <a:t>비고</a:t>
+                        <a:t>강의실</a:t>
                       </a:r>
                       <a:endParaRPr lang="ko-KR" altLang="en-US" sz="1600" b="0" dirty="0">
                         <a:solidFill>
                           <a:schemeClr val="tx1"/>
                         </a:solidFill>
+                        <a:latin typeface="+mn-lt"/>
                       </a:endParaRPr>
                     </a:p>
                   </a:txBody>
@@ -5045,6 +5001,7 @@
                           <a:solidFill>
                             <a:schemeClr val="tx1"/>
                           </a:solidFill>
+                          <a:latin typeface="+mn-lt"/>
                         </a:rPr>
                         <a:t>1</a:t>
                       </a:r>
@@ -5053,6 +5010,7 @@
                           <a:solidFill>
                             <a:schemeClr val="tx1"/>
                           </a:solidFill>
+                          <a:latin typeface="+mn-lt"/>
                         </a:rPr>
                         <a:t>조</a:t>
                       </a:r>
@@ -5060,6 +5018,7 @@
                         <a:solidFill>
                           <a:schemeClr val="tx1"/>
                         </a:solidFill>
+                        <a:latin typeface="+mn-lt"/>
                       </a:endParaRPr>
                     </a:p>
                   </a:txBody>
@@ -5114,6 +5073,7 @@
                           <a:solidFill>
                             <a:schemeClr val="tx1"/>
                           </a:solidFill>
+                          <a:latin typeface="+mn-lt"/>
                         </a:rPr>
                         <a:t>박진원</a:t>
                       </a:r>
@@ -5122,6 +5082,7 @@
                           <a:solidFill>
                             <a:schemeClr val="tx1"/>
                           </a:solidFill>
+                          <a:latin typeface="+mn-lt"/>
                         </a:rPr>
                         <a:t>, </a:t>
                       </a:r>
@@ -5130,6 +5091,7 @@
                           <a:solidFill>
                             <a:schemeClr val="tx1"/>
                           </a:solidFill>
+                          <a:latin typeface="+mn-lt"/>
                         </a:rPr>
                         <a:t>임원기</a:t>
                       </a:r>
@@ -5138,6 +5100,7 @@
                           <a:solidFill>
                             <a:schemeClr val="tx1"/>
                           </a:solidFill>
+                          <a:latin typeface="+mn-lt"/>
                         </a:rPr>
                         <a:t>, </a:t>
                       </a:r>
@@ -5146,6 +5109,7 @@
                           <a:solidFill>
                             <a:schemeClr val="tx1"/>
                           </a:solidFill>
+                          <a:latin typeface="+mn-lt"/>
                         </a:rPr>
                         <a:t>황성윤</a:t>
                       </a:r>
@@ -5153,6 +5117,7 @@
                         <a:solidFill>
                           <a:schemeClr val="tx1"/>
                         </a:solidFill>
+                        <a:latin typeface="+mn-lt"/>
                       </a:endParaRPr>
                     </a:p>
                   </a:txBody>
@@ -5207,6 +5172,7 @@
                           <a:solidFill>
                             <a:schemeClr val="tx1"/>
                           </a:solidFill>
+                          <a:latin typeface="+mn-lt"/>
                         </a:rPr>
                         <a:t>구진희</a:t>
                       </a:r>
@@ -5214,6 +5180,7 @@
                         <a:solidFill>
                           <a:schemeClr val="tx1"/>
                         </a:solidFill>
+                        <a:latin typeface="+mn-lt"/>
                       </a:endParaRPr>
                     </a:p>
                   </a:txBody>
@@ -5263,10 +5230,29 @@
                     <a:lstStyle/>
                     <a:p>
                       <a:pPr algn="ctr" latinLnBrk="1"/>
+                      <a:r>
+                        <a:rPr lang="en-US" altLang="ko-KR" sz="1600" b="0" dirty="0" smtClean="0">
+                          <a:solidFill>
+                            <a:schemeClr val="tx1"/>
+                          </a:solidFill>
+                          <a:latin typeface="+mn-lt"/>
+                        </a:rPr>
+                        <a:t>713</a:t>
+                      </a:r>
+                      <a:r>
+                        <a:rPr lang="ko-KR" altLang="en-US" sz="1600" b="0" dirty="0" smtClean="0">
+                          <a:solidFill>
+                            <a:schemeClr val="tx1"/>
+                          </a:solidFill>
+                          <a:latin typeface="+mn-lt"/>
+                        </a:rPr>
+                        <a:t>호</a:t>
+                      </a:r>
                       <a:endParaRPr lang="ko-KR" altLang="en-US" sz="1600" b="0" dirty="0">
                         <a:solidFill>
                           <a:schemeClr val="tx1"/>
                         </a:solidFill>
+                        <a:latin typeface="+mn-lt"/>
                       </a:endParaRPr>
                     </a:p>
                   </a:txBody>
@@ -5323,6 +5309,7 @@
                           <a:solidFill>
                             <a:schemeClr val="tx1"/>
                           </a:solidFill>
+                          <a:latin typeface="+mn-lt"/>
                         </a:rPr>
                         <a:t>2</a:t>
                       </a:r>
@@ -5331,6 +5318,7 @@
                           <a:solidFill>
                             <a:schemeClr val="tx1"/>
                           </a:solidFill>
+                          <a:latin typeface="+mn-lt"/>
                         </a:rPr>
                         <a:t>조</a:t>
                       </a:r>
@@ -5338,6 +5326,7 @@
                         <a:solidFill>
                           <a:schemeClr val="tx1"/>
                         </a:solidFill>
+                        <a:latin typeface="+mn-lt"/>
                       </a:endParaRPr>
                     </a:p>
                   </a:txBody>
@@ -5392,6 +5381,7 @@
                           <a:solidFill>
                             <a:schemeClr val="tx1"/>
                           </a:solidFill>
+                          <a:latin typeface="+mn-lt"/>
                         </a:rPr>
                         <a:t>김영진</a:t>
                       </a:r>
@@ -5400,6 +5390,7 @@
                           <a:solidFill>
                             <a:schemeClr val="tx1"/>
                           </a:solidFill>
+                          <a:latin typeface="+mn-lt"/>
                         </a:rPr>
                         <a:t>, </a:t>
                       </a:r>
@@ -5408,6 +5399,7 @@
                           <a:solidFill>
                             <a:schemeClr val="tx1"/>
                           </a:solidFill>
+                          <a:latin typeface="+mn-lt"/>
                         </a:rPr>
                         <a:t>박수민</a:t>
                       </a:r>
@@ -5416,6 +5408,7 @@
                           <a:solidFill>
                             <a:schemeClr val="tx1"/>
                           </a:solidFill>
+                          <a:latin typeface="+mn-lt"/>
                         </a:rPr>
                         <a:t>, </a:t>
                       </a:r>
@@ -5424,6 +5417,7 @@
                           <a:solidFill>
                             <a:schemeClr val="tx1"/>
                           </a:solidFill>
+                          <a:latin typeface="+mn-lt"/>
                         </a:rPr>
                         <a:t>신은총</a:t>
                       </a:r>
@@ -5431,6 +5425,7 @@
                         <a:solidFill>
                           <a:schemeClr val="tx1"/>
                         </a:solidFill>
+                        <a:latin typeface="+mn-lt"/>
                       </a:endParaRPr>
                     </a:p>
                   </a:txBody>
@@ -5485,13 +5480,15 @@
                           <a:solidFill>
                             <a:schemeClr val="tx1"/>
                           </a:solidFill>
+                          <a:latin typeface="+mn-lt"/>
                         </a:rPr>
-                        <a:t>김동욱</a:t>
+                        <a:t>황희정</a:t>
                       </a:r>
                       <a:endParaRPr lang="ko-KR" altLang="en-US" sz="1600" b="0" dirty="0">
                         <a:solidFill>
                           <a:schemeClr val="tx1"/>
                         </a:solidFill>
+                        <a:latin typeface="+mn-lt"/>
                       </a:endParaRPr>
                     </a:p>
                   </a:txBody>
@@ -5541,10 +5538,29 @@
                     <a:lstStyle/>
                     <a:p>
                       <a:pPr algn="ctr" latinLnBrk="1"/>
+                      <a:r>
+                        <a:rPr lang="en-US" altLang="ko-KR" sz="1600" b="0" dirty="0" smtClean="0">
+                          <a:solidFill>
+                            <a:schemeClr val="tx1"/>
+                          </a:solidFill>
+                          <a:latin typeface="+mn-lt"/>
+                        </a:rPr>
+                        <a:t>713</a:t>
+                      </a:r>
+                      <a:r>
+                        <a:rPr lang="ko-KR" altLang="en-US" sz="1600" b="0" dirty="0" smtClean="0">
+                          <a:solidFill>
+                            <a:schemeClr val="tx1"/>
+                          </a:solidFill>
+                          <a:latin typeface="+mn-lt"/>
+                        </a:rPr>
+                        <a:t>호</a:t>
+                      </a:r>
                       <a:endParaRPr lang="ko-KR" altLang="en-US" sz="1600" b="0" dirty="0">
                         <a:solidFill>
                           <a:schemeClr val="tx1"/>
                         </a:solidFill>
+                        <a:latin typeface="+mn-lt"/>
                       </a:endParaRPr>
                     </a:p>
                   </a:txBody>
@@ -5601,6 +5617,7 @@
                           <a:solidFill>
                             <a:schemeClr val="tx1"/>
                           </a:solidFill>
+                          <a:latin typeface="+mn-lt"/>
                         </a:rPr>
                         <a:t>3</a:t>
                       </a:r>
@@ -5609,6 +5626,7 @@
                           <a:solidFill>
                             <a:schemeClr val="tx1"/>
                           </a:solidFill>
+                          <a:latin typeface="+mn-lt"/>
                         </a:rPr>
                         <a:t>조</a:t>
                       </a:r>
@@ -5616,912 +5634,7 @@
                         <a:solidFill>
                           <a:schemeClr val="tx1"/>
                         </a:solidFill>
-                      </a:endParaRPr>
-                    </a:p>
-                  </a:txBody>
-                  <a:tcPr>
-                    <a:lnL w="3175" cap="flat" cmpd="sng" algn="ctr">
-                      <a:solidFill>
-                        <a:schemeClr val="tx1"/>
-                      </a:solidFill>
-                      <a:prstDash val="solid"/>
-                      <a:round/>
-                      <a:headEnd type="none" w="med" len="med"/>
-                      <a:tailEnd type="none" w="med" len="med"/>
-                    </a:lnL>
-                    <a:lnR w="3175" cap="flat" cmpd="sng" algn="ctr">
-                      <a:solidFill>
-                        <a:schemeClr val="tx1"/>
-                      </a:solidFill>
-                      <a:prstDash val="solid"/>
-                      <a:round/>
-                      <a:headEnd type="none" w="med" len="med"/>
-                      <a:tailEnd type="none" w="med" len="med"/>
-                    </a:lnR>
-                    <a:lnT w="3175" cap="flat" cmpd="sng" algn="ctr">
-                      <a:solidFill>
-                        <a:schemeClr val="tx1"/>
-                      </a:solidFill>
-                      <a:prstDash val="solid"/>
-                      <a:round/>
-                      <a:headEnd type="none" w="med" len="med"/>
-                      <a:tailEnd type="none" w="med" len="med"/>
-                    </a:lnT>
-                    <a:lnB w="3175" cap="flat" cmpd="sng" algn="ctr">
-                      <a:solidFill>
-                        <a:schemeClr val="tx1"/>
-                      </a:solidFill>
-                      <a:prstDash val="solid"/>
-                      <a:round/>
-                      <a:headEnd type="none" w="med" len="med"/>
-                      <a:tailEnd type="none" w="med" len="med"/>
-                    </a:lnB>
-                    <a:noFill/>
-                  </a:tcPr>
-                </a:tc>
-                <a:tc>
-                  <a:txBody>
-                    <a:bodyPr/>
-                    <a:lstStyle/>
-                    <a:p>
-                      <a:pPr algn="ctr" latinLnBrk="1"/>
-                      <a:r>
-                        <a:rPr lang="ko-KR" altLang="en-US" sz="1600" b="0" dirty="0" smtClean="0">
-                          <a:solidFill>
-                            <a:schemeClr val="tx1"/>
-                          </a:solidFill>
-                        </a:rPr>
-                        <a:t>임도균</a:t>
-                      </a:r>
-                      <a:r>
-                        <a:rPr lang="en-US" altLang="ko-KR" sz="1600" b="0" dirty="0" smtClean="0">
-                          <a:solidFill>
-                            <a:schemeClr val="tx1"/>
-                          </a:solidFill>
-                        </a:rPr>
-                        <a:t>,</a:t>
-                      </a:r>
-                      <a:r>
-                        <a:rPr lang="en-US" altLang="ko-KR" sz="1600" b="0" baseline="0" dirty="0" smtClean="0">
-                          <a:solidFill>
-                            <a:schemeClr val="tx1"/>
-                          </a:solidFill>
-                        </a:rPr>
-                        <a:t> </a:t>
-                      </a:r>
-                      <a:r>
-                        <a:rPr lang="ko-KR" altLang="en-US" sz="1600" b="0" baseline="0" dirty="0" smtClean="0">
-                          <a:solidFill>
-                            <a:schemeClr val="tx1"/>
-                          </a:solidFill>
-                        </a:rPr>
-                        <a:t>전수연</a:t>
-                      </a:r>
-                      <a:r>
-                        <a:rPr lang="en-US" altLang="ko-KR" sz="1600" b="0" baseline="0" dirty="0" smtClean="0">
-                          <a:solidFill>
-                            <a:schemeClr val="tx1"/>
-                          </a:solidFill>
-                        </a:rPr>
-                        <a:t>, </a:t>
-                      </a:r>
-                      <a:r>
-                        <a:rPr lang="ko-KR" altLang="en-US" sz="1600" b="0" baseline="0" dirty="0" err="1" smtClean="0">
-                          <a:solidFill>
-                            <a:schemeClr val="tx1"/>
-                          </a:solidFill>
-                        </a:rPr>
-                        <a:t>민다희</a:t>
-                      </a:r>
-                      <a:r>
-                        <a:rPr lang="en-US" altLang="ko-KR" sz="1600" b="0" baseline="0" dirty="0" smtClean="0">
-                          <a:solidFill>
-                            <a:schemeClr val="tx1"/>
-                          </a:solidFill>
-                        </a:rPr>
-                        <a:t>, </a:t>
-                      </a:r>
-                      <a:r>
-                        <a:rPr lang="ko-KR" altLang="en-US" sz="1600" b="0" baseline="0" dirty="0" smtClean="0">
-                          <a:solidFill>
-                            <a:schemeClr val="tx1"/>
-                          </a:solidFill>
-                        </a:rPr>
-                        <a:t>박성지</a:t>
-                      </a:r>
-                      <a:r>
-                        <a:rPr lang="en-US" altLang="ko-KR" sz="1600" b="0" baseline="0" dirty="0" smtClean="0">
-                          <a:solidFill>
-                            <a:schemeClr val="tx1"/>
-                          </a:solidFill>
-                        </a:rPr>
-                        <a:t>, </a:t>
-                      </a:r>
-                      <a:r>
-                        <a:rPr lang="ko-KR" altLang="en-US" sz="1600" b="0" baseline="0" dirty="0" smtClean="0">
-                          <a:solidFill>
-                            <a:schemeClr val="tx1"/>
-                          </a:solidFill>
-                        </a:rPr>
-                        <a:t>류경민</a:t>
-                      </a:r>
-                      <a:endParaRPr lang="ko-KR" altLang="en-US" sz="1600" b="0" dirty="0">
-                        <a:solidFill>
-                          <a:schemeClr val="tx1"/>
-                        </a:solidFill>
-                      </a:endParaRPr>
-                    </a:p>
-                  </a:txBody>
-                  <a:tcPr>
-                    <a:lnL w="3175" cap="flat" cmpd="sng" algn="ctr">
-                      <a:solidFill>
-                        <a:schemeClr val="tx1"/>
-                      </a:solidFill>
-                      <a:prstDash val="solid"/>
-                      <a:round/>
-                      <a:headEnd type="none" w="med" len="med"/>
-                      <a:tailEnd type="none" w="med" len="med"/>
-                    </a:lnL>
-                    <a:lnR w="3175" cap="flat" cmpd="sng" algn="ctr">
-                      <a:solidFill>
-                        <a:schemeClr val="tx1"/>
-                      </a:solidFill>
-                      <a:prstDash val="solid"/>
-                      <a:round/>
-                      <a:headEnd type="none" w="med" len="med"/>
-                      <a:tailEnd type="none" w="med" len="med"/>
-                    </a:lnR>
-                    <a:lnT w="3175" cap="flat" cmpd="sng" algn="ctr">
-                      <a:solidFill>
-                        <a:schemeClr val="tx1"/>
-                      </a:solidFill>
-                      <a:prstDash val="solid"/>
-                      <a:round/>
-                      <a:headEnd type="none" w="med" len="med"/>
-                      <a:tailEnd type="none" w="med" len="med"/>
-                    </a:lnT>
-                    <a:lnB w="3175" cap="flat" cmpd="sng" algn="ctr">
-                      <a:solidFill>
-                        <a:schemeClr val="tx1"/>
-                      </a:solidFill>
-                      <a:prstDash val="solid"/>
-                      <a:round/>
-                      <a:headEnd type="none" w="med" len="med"/>
-                      <a:tailEnd type="none" w="med" len="med"/>
-                    </a:lnB>
-                    <a:noFill/>
-                  </a:tcPr>
-                </a:tc>
-                <a:tc>
-                  <a:txBody>
-                    <a:bodyPr/>
-                    <a:lstStyle/>
-                    <a:p>
-                      <a:pPr algn="ctr" latinLnBrk="1"/>
-                      <a:r>
-                        <a:rPr lang="ko-KR" altLang="en-US" sz="1600" b="0" dirty="0" smtClean="0">
-                          <a:solidFill>
-                            <a:schemeClr val="tx1"/>
-                          </a:solidFill>
-                        </a:rPr>
-                        <a:t>송현옥</a:t>
-                      </a:r>
-                      <a:endParaRPr lang="ko-KR" altLang="en-US" sz="1600" b="0" dirty="0">
-                        <a:solidFill>
-                          <a:schemeClr val="tx1"/>
-                        </a:solidFill>
-                      </a:endParaRPr>
-                    </a:p>
-                  </a:txBody>
-                  <a:tcPr>
-                    <a:lnL w="3175" cap="flat" cmpd="sng" algn="ctr">
-                      <a:solidFill>
-                        <a:schemeClr val="tx1"/>
-                      </a:solidFill>
-                      <a:prstDash val="solid"/>
-                      <a:round/>
-                      <a:headEnd type="none" w="med" len="med"/>
-                      <a:tailEnd type="none" w="med" len="med"/>
-                    </a:lnL>
-                    <a:lnR w="3175" cap="flat" cmpd="sng" algn="ctr">
-                      <a:solidFill>
-                        <a:schemeClr val="tx1"/>
-                      </a:solidFill>
-                      <a:prstDash val="solid"/>
-                      <a:round/>
-                      <a:headEnd type="none" w="med" len="med"/>
-                      <a:tailEnd type="none" w="med" len="med"/>
-                    </a:lnR>
-                    <a:lnT w="3175" cap="flat" cmpd="sng" algn="ctr">
-                      <a:solidFill>
-                        <a:schemeClr val="tx1"/>
-                      </a:solidFill>
-                      <a:prstDash val="solid"/>
-                      <a:round/>
-                      <a:headEnd type="none" w="med" len="med"/>
-                      <a:tailEnd type="none" w="med" len="med"/>
-                    </a:lnT>
-                    <a:lnB w="3175" cap="flat" cmpd="sng" algn="ctr">
-                      <a:solidFill>
-                        <a:schemeClr val="tx1"/>
-                      </a:solidFill>
-                      <a:prstDash val="solid"/>
-                      <a:round/>
-                      <a:headEnd type="none" w="med" len="med"/>
-                      <a:tailEnd type="none" w="med" len="med"/>
-                    </a:lnB>
-                    <a:noFill/>
-                  </a:tcPr>
-                </a:tc>
-                <a:tc>
-                  <a:txBody>
-                    <a:bodyPr/>
-                    <a:lstStyle/>
-                    <a:p>
-                      <a:pPr algn="ctr" latinLnBrk="1"/>
-                      <a:endParaRPr lang="ko-KR" altLang="en-US" sz="1600" b="0" dirty="0">
-                        <a:solidFill>
-                          <a:schemeClr val="tx1"/>
-                        </a:solidFill>
-                      </a:endParaRPr>
-                    </a:p>
-                  </a:txBody>
-                  <a:tcPr>
-                    <a:lnL w="3175" cap="flat" cmpd="sng" algn="ctr">
-                      <a:solidFill>
-                        <a:schemeClr val="tx1"/>
-                      </a:solidFill>
-                      <a:prstDash val="solid"/>
-                      <a:round/>
-                      <a:headEnd type="none" w="med" len="med"/>
-                      <a:tailEnd type="none" w="med" len="med"/>
-                    </a:lnL>
-                    <a:lnR w="3175" cap="flat" cmpd="sng" algn="ctr">
-                      <a:solidFill>
-                        <a:schemeClr val="tx1"/>
-                      </a:solidFill>
-                      <a:prstDash val="solid"/>
-                      <a:round/>
-                      <a:headEnd type="none" w="med" len="med"/>
-                      <a:tailEnd type="none" w="med" len="med"/>
-                    </a:lnR>
-                    <a:lnT w="3175" cap="flat" cmpd="sng" algn="ctr">
-                      <a:solidFill>
-                        <a:schemeClr val="tx1"/>
-                      </a:solidFill>
-                      <a:prstDash val="solid"/>
-                      <a:round/>
-                      <a:headEnd type="none" w="med" len="med"/>
-                      <a:tailEnd type="none" w="med" len="med"/>
-                    </a:lnT>
-                    <a:lnB w="3175" cap="flat" cmpd="sng" algn="ctr">
-                      <a:solidFill>
-                        <a:schemeClr val="tx1"/>
-                      </a:solidFill>
-                      <a:prstDash val="solid"/>
-                      <a:round/>
-                      <a:headEnd type="none" w="med" len="med"/>
-                      <a:tailEnd type="none" w="med" len="med"/>
-                    </a:lnB>
-                    <a:noFill/>
-                  </a:tcPr>
-                </a:tc>
-              </a:tr>
-              <a:tr h="370840">
-                <a:tc>
-                  <a:txBody>
-                    <a:bodyPr/>
-                    <a:lstStyle/>
-                    <a:p>
-                      <a:pPr algn="ctr" latinLnBrk="1"/>
-                      <a:r>
-                        <a:rPr lang="en-US" altLang="ko-KR" sz="1600" b="0" dirty="0" smtClean="0">
-                          <a:solidFill>
-                            <a:schemeClr val="tx1"/>
-                          </a:solidFill>
-                        </a:rPr>
-                        <a:t>4</a:t>
-                      </a:r>
-                      <a:r>
-                        <a:rPr lang="ko-KR" altLang="en-US" sz="1600" b="0" dirty="0" smtClean="0">
-                          <a:solidFill>
-                            <a:schemeClr val="tx1"/>
-                          </a:solidFill>
-                        </a:rPr>
-                        <a:t>조</a:t>
-                      </a:r>
-                      <a:endParaRPr lang="ko-KR" altLang="en-US" sz="1600" b="0" dirty="0">
-                        <a:solidFill>
-                          <a:schemeClr val="tx1"/>
-                        </a:solidFill>
-                      </a:endParaRPr>
-                    </a:p>
-                  </a:txBody>
-                  <a:tcPr>
-                    <a:lnL w="3175" cap="flat" cmpd="sng" algn="ctr">
-                      <a:solidFill>
-                        <a:schemeClr val="tx1"/>
-                      </a:solidFill>
-                      <a:prstDash val="solid"/>
-                      <a:round/>
-                      <a:headEnd type="none" w="med" len="med"/>
-                      <a:tailEnd type="none" w="med" len="med"/>
-                    </a:lnL>
-                    <a:lnR w="3175" cap="flat" cmpd="sng" algn="ctr">
-                      <a:solidFill>
-                        <a:schemeClr val="tx1"/>
-                      </a:solidFill>
-                      <a:prstDash val="solid"/>
-                      <a:round/>
-                      <a:headEnd type="none" w="med" len="med"/>
-                      <a:tailEnd type="none" w="med" len="med"/>
-                    </a:lnR>
-                    <a:lnT w="3175" cap="flat" cmpd="sng" algn="ctr">
-                      <a:solidFill>
-                        <a:schemeClr val="tx1"/>
-                      </a:solidFill>
-                      <a:prstDash val="solid"/>
-                      <a:round/>
-                      <a:headEnd type="none" w="med" len="med"/>
-                      <a:tailEnd type="none" w="med" len="med"/>
-                    </a:lnT>
-                    <a:lnB w="3175" cap="flat" cmpd="sng" algn="ctr">
-                      <a:solidFill>
-                        <a:schemeClr val="tx1"/>
-                      </a:solidFill>
-                      <a:prstDash val="solid"/>
-                      <a:round/>
-                      <a:headEnd type="none" w="med" len="med"/>
-                      <a:tailEnd type="none" w="med" len="med"/>
-                    </a:lnB>
-                    <a:noFill/>
-                  </a:tcPr>
-                </a:tc>
-                <a:tc>
-                  <a:txBody>
-                    <a:bodyPr/>
-                    <a:lstStyle/>
-                    <a:p>
-                      <a:pPr algn="ctr" latinLnBrk="1"/>
-                      <a:r>
-                        <a:rPr lang="ko-KR" altLang="en-US" sz="1600" b="0" dirty="0" smtClean="0">
-                          <a:solidFill>
-                            <a:schemeClr val="tx1"/>
-                          </a:solidFill>
-                        </a:rPr>
-                        <a:t>오진영</a:t>
-                      </a:r>
-                      <a:r>
-                        <a:rPr lang="en-US" altLang="ko-KR" sz="1600" b="0" dirty="0" smtClean="0">
-                          <a:solidFill>
-                            <a:schemeClr val="tx1"/>
-                          </a:solidFill>
-                        </a:rPr>
-                        <a:t>, </a:t>
-                      </a:r>
-                      <a:r>
-                        <a:rPr lang="ko-KR" altLang="en-US" sz="1600" b="0" dirty="0" smtClean="0">
-                          <a:solidFill>
-                            <a:schemeClr val="tx1"/>
-                          </a:solidFill>
-                        </a:rPr>
-                        <a:t>이경욱</a:t>
-                      </a:r>
-                      <a:r>
-                        <a:rPr lang="en-US" altLang="ko-KR" sz="1600" b="0" dirty="0" smtClean="0">
-                          <a:solidFill>
-                            <a:schemeClr val="tx1"/>
-                          </a:solidFill>
-                        </a:rPr>
-                        <a:t>, </a:t>
-                      </a:r>
-                      <a:r>
-                        <a:rPr lang="ko-KR" altLang="en-US" sz="1600" b="0" dirty="0" smtClean="0">
-                          <a:solidFill>
-                            <a:schemeClr val="tx1"/>
-                          </a:solidFill>
-                        </a:rPr>
-                        <a:t>최준혁</a:t>
-                      </a:r>
-                      <a:endParaRPr lang="ko-KR" altLang="en-US" sz="1600" b="0" dirty="0">
-                        <a:solidFill>
-                          <a:schemeClr val="tx1"/>
-                        </a:solidFill>
-                      </a:endParaRPr>
-                    </a:p>
-                  </a:txBody>
-                  <a:tcPr>
-                    <a:lnL w="3175" cap="flat" cmpd="sng" algn="ctr">
-                      <a:solidFill>
-                        <a:schemeClr val="tx1"/>
-                      </a:solidFill>
-                      <a:prstDash val="solid"/>
-                      <a:round/>
-                      <a:headEnd type="none" w="med" len="med"/>
-                      <a:tailEnd type="none" w="med" len="med"/>
-                    </a:lnL>
-                    <a:lnR w="3175" cap="flat" cmpd="sng" algn="ctr">
-                      <a:solidFill>
-                        <a:schemeClr val="tx1"/>
-                      </a:solidFill>
-                      <a:prstDash val="solid"/>
-                      <a:round/>
-                      <a:headEnd type="none" w="med" len="med"/>
-                      <a:tailEnd type="none" w="med" len="med"/>
-                    </a:lnR>
-                    <a:lnT w="3175" cap="flat" cmpd="sng" algn="ctr">
-                      <a:solidFill>
-                        <a:schemeClr val="tx1"/>
-                      </a:solidFill>
-                      <a:prstDash val="solid"/>
-                      <a:round/>
-                      <a:headEnd type="none" w="med" len="med"/>
-                      <a:tailEnd type="none" w="med" len="med"/>
-                    </a:lnT>
-                    <a:lnB w="3175" cap="flat" cmpd="sng" algn="ctr">
-                      <a:solidFill>
-                        <a:schemeClr val="tx1"/>
-                      </a:solidFill>
-                      <a:prstDash val="solid"/>
-                      <a:round/>
-                      <a:headEnd type="none" w="med" len="med"/>
-                      <a:tailEnd type="none" w="med" len="med"/>
-                    </a:lnB>
-                    <a:noFill/>
-                  </a:tcPr>
-                </a:tc>
-                <a:tc>
-                  <a:txBody>
-                    <a:bodyPr/>
-                    <a:lstStyle/>
-                    <a:p>
-                      <a:pPr algn="ctr" latinLnBrk="1"/>
-                      <a:r>
-                        <a:rPr lang="ko-KR" altLang="en-US" sz="1600" b="0" dirty="0" smtClean="0">
-                          <a:solidFill>
-                            <a:schemeClr val="tx1"/>
-                          </a:solidFill>
-                        </a:rPr>
-                        <a:t>장성훈</a:t>
-                      </a:r>
-                      <a:endParaRPr lang="ko-KR" altLang="en-US" sz="1600" b="0" dirty="0">
-                        <a:solidFill>
-                          <a:schemeClr val="tx1"/>
-                        </a:solidFill>
-                      </a:endParaRPr>
-                    </a:p>
-                  </a:txBody>
-                  <a:tcPr>
-                    <a:lnL w="3175" cap="flat" cmpd="sng" algn="ctr">
-                      <a:solidFill>
-                        <a:schemeClr val="tx1"/>
-                      </a:solidFill>
-                      <a:prstDash val="solid"/>
-                      <a:round/>
-                      <a:headEnd type="none" w="med" len="med"/>
-                      <a:tailEnd type="none" w="med" len="med"/>
-                    </a:lnL>
-                    <a:lnR w="3175" cap="flat" cmpd="sng" algn="ctr">
-                      <a:solidFill>
-                        <a:schemeClr val="tx1"/>
-                      </a:solidFill>
-                      <a:prstDash val="solid"/>
-                      <a:round/>
-                      <a:headEnd type="none" w="med" len="med"/>
-                      <a:tailEnd type="none" w="med" len="med"/>
-                    </a:lnR>
-                    <a:lnT w="3175" cap="flat" cmpd="sng" algn="ctr">
-                      <a:solidFill>
-                        <a:schemeClr val="tx1"/>
-                      </a:solidFill>
-                      <a:prstDash val="solid"/>
-                      <a:round/>
-                      <a:headEnd type="none" w="med" len="med"/>
-                      <a:tailEnd type="none" w="med" len="med"/>
-                    </a:lnT>
-                    <a:lnB w="3175" cap="flat" cmpd="sng" algn="ctr">
-                      <a:solidFill>
-                        <a:schemeClr val="tx1"/>
-                      </a:solidFill>
-                      <a:prstDash val="solid"/>
-                      <a:round/>
-                      <a:headEnd type="none" w="med" len="med"/>
-                      <a:tailEnd type="none" w="med" len="med"/>
-                    </a:lnB>
-                    <a:noFill/>
-                  </a:tcPr>
-                </a:tc>
-                <a:tc>
-                  <a:txBody>
-                    <a:bodyPr/>
-                    <a:lstStyle/>
-                    <a:p>
-                      <a:pPr algn="ctr" latinLnBrk="1"/>
-                      <a:endParaRPr lang="ko-KR" altLang="en-US" sz="1600" b="0" dirty="0">
-                        <a:solidFill>
-                          <a:schemeClr val="tx1"/>
-                        </a:solidFill>
-                      </a:endParaRPr>
-                    </a:p>
-                  </a:txBody>
-                  <a:tcPr>
-                    <a:lnL w="3175" cap="flat" cmpd="sng" algn="ctr">
-                      <a:solidFill>
-                        <a:schemeClr val="tx1"/>
-                      </a:solidFill>
-                      <a:prstDash val="solid"/>
-                      <a:round/>
-                      <a:headEnd type="none" w="med" len="med"/>
-                      <a:tailEnd type="none" w="med" len="med"/>
-                    </a:lnL>
-                    <a:lnR w="3175" cap="flat" cmpd="sng" algn="ctr">
-                      <a:solidFill>
-                        <a:schemeClr val="tx1"/>
-                      </a:solidFill>
-                      <a:prstDash val="solid"/>
-                      <a:round/>
-                      <a:headEnd type="none" w="med" len="med"/>
-                      <a:tailEnd type="none" w="med" len="med"/>
-                    </a:lnR>
-                    <a:lnT w="3175" cap="flat" cmpd="sng" algn="ctr">
-                      <a:solidFill>
-                        <a:schemeClr val="tx1"/>
-                      </a:solidFill>
-                      <a:prstDash val="solid"/>
-                      <a:round/>
-                      <a:headEnd type="none" w="med" len="med"/>
-                      <a:tailEnd type="none" w="med" len="med"/>
-                    </a:lnT>
-                    <a:lnB w="3175" cap="flat" cmpd="sng" algn="ctr">
-                      <a:solidFill>
-                        <a:schemeClr val="tx1"/>
-                      </a:solidFill>
-                      <a:prstDash val="solid"/>
-                      <a:round/>
-                      <a:headEnd type="none" w="med" len="med"/>
-                      <a:tailEnd type="none" w="med" len="med"/>
-                    </a:lnB>
-                    <a:noFill/>
-                  </a:tcPr>
-                </a:tc>
-              </a:tr>
-              <a:tr h="370840">
-                <a:tc>
-                  <a:txBody>
-                    <a:bodyPr/>
-                    <a:lstStyle/>
-                    <a:p>
-                      <a:pPr algn="ctr" latinLnBrk="1"/>
-                      <a:r>
-                        <a:rPr lang="en-US" altLang="ko-KR" sz="1600" b="0" dirty="0" smtClean="0">
-                          <a:solidFill>
-                            <a:schemeClr val="tx1"/>
-                          </a:solidFill>
-                        </a:rPr>
-                        <a:t>5</a:t>
-                      </a:r>
-                      <a:r>
-                        <a:rPr lang="ko-KR" altLang="en-US" sz="1600" b="0" dirty="0" smtClean="0">
-                          <a:solidFill>
-                            <a:schemeClr val="tx1"/>
-                          </a:solidFill>
-                        </a:rPr>
-                        <a:t>조</a:t>
-                      </a:r>
-                      <a:endParaRPr lang="ko-KR" altLang="en-US" sz="1600" b="0" dirty="0">
-                        <a:solidFill>
-                          <a:schemeClr val="tx1"/>
-                        </a:solidFill>
-                      </a:endParaRPr>
-                    </a:p>
-                  </a:txBody>
-                  <a:tcPr>
-                    <a:lnL w="3175" cap="flat" cmpd="sng" algn="ctr">
-                      <a:solidFill>
-                        <a:schemeClr val="tx1"/>
-                      </a:solidFill>
-                      <a:prstDash val="solid"/>
-                      <a:round/>
-                      <a:headEnd type="none" w="med" len="med"/>
-                      <a:tailEnd type="none" w="med" len="med"/>
-                    </a:lnL>
-                    <a:lnR w="3175" cap="flat" cmpd="sng" algn="ctr">
-                      <a:solidFill>
-                        <a:schemeClr val="tx1"/>
-                      </a:solidFill>
-                      <a:prstDash val="solid"/>
-                      <a:round/>
-                      <a:headEnd type="none" w="med" len="med"/>
-                      <a:tailEnd type="none" w="med" len="med"/>
-                    </a:lnR>
-                    <a:lnT w="3175" cap="flat" cmpd="sng" algn="ctr">
-                      <a:solidFill>
-                        <a:schemeClr val="tx1"/>
-                      </a:solidFill>
-                      <a:prstDash val="solid"/>
-                      <a:round/>
-                      <a:headEnd type="none" w="med" len="med"/>
-                      <a:tailEnd type="none" w="med" len="med"/>
-                    </a:lnT>
-                    <a:lnB w="3175" cap="flat" cmpd="sng" algn="ctr">
-                      <a:solidFill>
-                        <a:schemeClr val="tx1"/>
-                      </a:solidFill>
-                      <a:prstDash val="solid"/>
-                      <a:round/>
-                      <a:headEnd type="none" w="med" len="med"/>
-                      <a:tailEnd type="none" w="med" len="med"/>
-                    </a:lnB>
-                    <a:noFill/>
-                  </a:tcPr>
-                </a:tc>
-                <a:tc>
-                  <a:txBody>
-                    <a:bodyPr/>
-                    <a:lstStyle/>
-                    <a:p>
-                      <a:pPr algn="ctr" latinLnBrk="1"/>
-                      <a:r>
-                        <a:rPr lang="ko-KR" altLang="en-US" sz="1600" b="0" dirty="0" smtClean="0">
-                          <a:solidFill>
-                            <a:schemeClr val="tx1"/>
-                          </a:solidFill>
-                        </a:rPr>
-                        <a:t>김성동</a:t>
-                      </a:r>
-                      <a:r>
-                        <a:rPr lang="en-US" altLang="ko-KR" sz="1600" b="0" dirty="0" smtClean="0">
-                          <a:solidFill>
-                            <a:schemeClr val="tx1"/>
-                          </a:solidFill>
-                        </a:rPr>
-                        <a:t>, </a:t>
-                      </a:r>
-                      <a:r>
-                        <a:rPr lang="ko-KR" altLang="en-US" sz="1600" b="0" dirty="0" smtClean="0">
-                          <a:solidFill>
-                            <a:schemeClr val="tx1"/>
-                          </a:solidFill>
-                        </a:rPr>
-                        <a:t>김준성</a:t>
-                      </a:r>
-                      <a:r>
-                        <a:rPr lang="en-US" altLang="ko-KR" sz="1600" b="0" dirty="0" smtClean="0">
-                          <a:solidFill>
-                            <a:schemeClr val="tx1"/>
-                          </a:solidFill>
-                        </a:rPr>
-                        <a:t>, </a:t>
-                      </a:r>
-                      <a:r>
-                        <a:rPr lang="ko-KR" altLang="en-US" sz="1600" b="0" dirty="0" smtClean="0">
-                          <a:solidFill>
-                            <a:schemeClr val="tx1"/>
-                          </a:solidFill>
-                        </a:rPr>
-                        <a:t>김희범</a:t>
-                      </a:r>
-                      <a:r>
-                        <a:rPr lang="en-US" altLang="ko-KR" sz="1600" b="0" dirty="0" smtClean="0">
-                          <a:solidFill>
-                            <a:schemeClr val="tx1"/>
-                          </a:solidFill>
-                        </a:rPr>
-                        <a:t>, </a:t>
-                      </a:r>
-                      <a:r>
-                        <a:rPr lang="ko-KR" altLang="en-US" sz="1600" b="0" dirty="0" smtClean="0">
-                          <a:solidFill>
-                            <a:schemeClr val="tx1"/>
-                          </a:solidFill>
-                        </a:rPr>
-                        <a:t>남궁하영</a:t>
-                      </a:r>
-                      <a:r>
-                        <a:rPr lang="en-US" altLang="ko-KR" sz="1600" b="0" dirty="0" smtClean="0">
-                          <a:solidFill>
-                            <a:schemeClr val="tx1"/>
-                          </a:solidFill>
-                        </a:rPr>
-                        <a:t>, </a:t>
-                      </a:r>
-                      <a:r>
-                        <a:rPr lang="ko-KR" altLang="en-US" sz="1600" b="0" dirty="0" smtClean="0">
-                          <a:solidFill>
-                            <a:schemeClr val="tx1"/>
-                          </a:solidFill>
-                        </a:rPr>
-                        <a:t>안수현</a:t>
-                      </a:r>
-                      <a:endParaRPr lang="ko-KR" altLang="en-US" sz="1600" b="0" dirty="0">
-                        <a:solidFill>
-                          <a:schemeClr val="tx1"/>
-                        </a:solidFill>
-                      </a:endParaRPr>
-                    </a:p>
-                  </a:txBody>
-                  <a:tcPr>
-                    <a:lnL w="3175" cap="flat" cmpd="sng" algn="ctr">
-                      <a:solidFill>
-                        <a:schemeClr val="tx1"/>
-                      </a:solidFill>
-                      <a:prstDash val="solid"/>
-                      <a:round/>
-                      <a:headEnd type="none" w="med" len="med"/>
-                      <a:tailEnd type="none" w="med" len="med"/>
-                    </a:lnL>
-                    <a:lnR w="3175" cap="flat" cmpd="sng" algn="ctr">
-                      <a:solidFill>
-                        <a:schemeClr val="tx1"/>
-                      </a:solidFill>
-                      <a:prstDash val="solid"/>
-                      <a:round/>
-                      <a:headEnd type="none" w="med" len="med"/>
-                      <a:tailEnd type="none" w="med" len="med"/>
-                    </a:lnR>
-                    <a:lnT w="3175" cap="flat" cmpd="sng" algn="ctr">
-                      <a:solidFill>
-                        <a:schemeClr val="tx1"/>
-                      </a:solidFill>
-                      <a:prstDash val="solid"/>
-                      <a:round/>
-                      <a:headEnd type="none" w="med" len="med"/>
-                      <a:tailEnd type="none" w="med" len="med"/>
-                    </a:lnT>
-                    <a:lnB w="3175" cap="flat" cmpd="sng" algn="ctr">
-                      <a:solidFill>
-                        <a:schemeClr val="tx1"/>
-                      </a:solidFill>
-                      <a:prstDash val="solid"/>
-                      <a:round/>
-                      <a:headEnd type="none" w="med" len="med"/>
-                      <a:tailEnd type="none" w="med" len="med"/>
-                    </a:lnB>
-                    <a:noFill/>
-                  </a:tcPr>
-                </a:tc>
-                <a:tc>
-                  <a:txBody>
-                    <a:bodyPr/>
-                    <a:lstStyle/>
-                    <a:p>
-                      <a:pPr algn="ctr" latinLnBrk="1"/>
-                      <a:r>
-                        <a:rPr lang="ko-KR" altLang="en-US" sz="1600" b="0" dirty="0" smtClean="0">
-                          <a:solidFill>
-                            <a:schemeClr val="tx1"/>
-                          </a:solidFill>
-                        </a:rPr>
-                        <a:t>황희정</a:t>
-                      </a:r>
-                      <a:endParaRPr lang="ko-KR" altLang="en-US" sz="1600" b="0" dirty="0">
-                        <a:solidFill>
-                          <a:schemeClr val="tx1"/>
-                        </a:solidFill>
-                      </a:endParaRPr>
-                    </a:p>
-                  </a:txBody>
-                  <a:tcPr>
-                    <a:lnL w="3175" cap="flat" cmpd="sng" algn="ctr">
-                      <a:solidFill>
-                        <a:schemeClr val="tx1"/>
-                      </a:solidFill>
-                      <a:prstDash val="solid"/>
-                      <a:round/>
-                      <a:headEnd type="none" w="med" len="med"/>
-                      <a:tailEnd type="none" w="med" len="med"/>
-                    </a:lnL>
-                    <a:lnR w="3175" cap="flat" cmpd="sng" algn="ctr">
-                      <a:solidFill>
-                        <a:schemeClr val="tx1"/>
-                      </a:solidFill>
-                      <a:prstDash val="solid"/>
-                      <a:round/>
-                      <a:headEnd type="none" w="med" len="med"/>
-                      <a:tailEnd type="none" w="med" len="med"/>
-                    </a:lnR>
-                    <a:lnT w="3175" cap="flat" cmpd="sng" algn="ctr">
-                      <a:solidFill>
-                        <a:schemeClr val="tx1"/>
-                      </a:solidFill>
-                      <a:prstDash val="solid"/>
-                      <a:round/>
-                      <a:headEnd type="none" w="med" len="med"/>
-                      <a:tailEnd type="none" w="med" len="med"/>
-                    </a:lnT>
-                    <a:lnB w="3175" cap="flat" cmpd="sng" algn="ctr">
-                      <a:solidFill>
-                        <a:schemeClr val="tx1"/>
-                      </a:solidFill>
-                      <a:prstDash val="solid"/>
-                      <a:round/>
-                      <a:headEnd type="none" w="med" len="med"/>
-                      <a:tailEnd type="none" w="med" len="med"/>
-                    </a:lnB>
-                    <a:noFill/>
-                  </a:tcPr>
-                </a:tc>
-                <a:tc>
-                  <a:txBody>
-                    <a:bodyPr/>
-                    <a:lstStyle/>
-                    <a:p>
-                      <a:pPr algn="ctr" latinLnBrk="1"/>
-                      <a:endParaRPr lang="ko-KR" altLang="en-US" sz="1600" b="0" dirty="0">
-                        <a:solidFill>
-                          <a:schemeClr val="tx1"/>
-                        </a:solidFill>
-                      </a:endParaRPr>
-                    </a:p>
-                  </a:txBody>
-                  <a:tcPr>
-                    <a:lnL w="3175" cap="flat" cmpd="sng" algn="ctr">
-                      <a:solidFill>
-                        <a:schemeClr val="tx1"/>
-                      </a:solidFill>
-                      <a:prstDash val="solid"/>
-                      <a:round/>
-                      <a:headEnd type="none" w="med" len="med"/>
-                      <a:tailEnd type="none" w="med" len="med"/>
-                    </a:lnL>
-                    <a:lnR w="3175" cap="flat" cmpd="sng" algn="ctr">
-                      <a:solidFill>
-                        <a:schemeClr val="tx1"/>
-                      </a:solidFill>
-                      <a:prstDash val="solid"/>
-                      <a:round/>
-                      <a:headEnd type="none" w="med" len="med"/>
-                      <a:tailEnd type="none" w="med" len="med"/>
-                    </a:lnR>
-                    <a:lnT w="3175" cap="flat" cmpd="sng" algn="ctr">
-                      <a:solidFill>
-                        <a:schemeClr val="tx1"/>
-                      </a:solidFill>
-                      <a:prstDash val="solid"/>
-                      <a:round/>
-                      <a:headEnd type="none" w="med" len="med"/>
-                      <a:tailEnd type="none" w="med" len="med"/>
-                    </a:lnT>
-                    <a:lnB w="3175" cap="flat" cmpd="sng" algn="ctr">
-                      <a:solidFill>
-                        <a:schemeClr val="tx1"/>
-                      </a:solidFill>
-                      <a:prstDash val="solid"/>
-                      <a:round/>
-                      <a:headEnd type="none" w="med" len="med"/>
-                      <a:tailEnd type="none" w="med" len="med"/>
-                    </a:lnB>
-                    <a:noFill/>
-                  </a:tcPr>
-                </a:tc>
-              </a:tr>
-              <a:tr h="370840">
-                <a:tc>
-                  <a:txBody>
-                    <a:bodyPr/>
-                    <a:lstStyle/>
-                    <a:p>
-                      <a:pPr algn="ctr" latinLnBrk="1"/>
-                      <a:r>
-                        <a:rPr lang="en-US" altLang="ko-KR" sz="1600" b="0" dirty="0" smtClean="0">
-                          <a:solidFill>
-                            <a:schemeClr val="tx1"/>
-                          </a:solidFill>
-                        </a:rPr>
-                        <a:t>6</a:t>
-                      </a:r>
-                      <a:r>
-                        <a:rPr lang="ko-KR" altLang="en-US" sz="1600" b="0" dirty="0" smtClean="0">
-                          <a:solidFill>
-                            <a:schemeClr val="tx1"/>
-                          </a:solidFill>
-                        </a:rPr>
-                        <a:t>조</a:t>
-                      </a:r>
-                      <a:endParaRPr lang="ko-KR" altLang="en-US" sz="1600" b="0" dirty="0">
-                        <a:solidFill>
-                          <a:schemeClr val="tx1"/>
-                        </a:solidFill>
+                        <a:latin typeface="+mn-lt"/>
                       </a:endParaRPr>
                     </a:p>
                   </a:txBody>
@@ -6592,6 +5705,7 @@
                           <a:solidFill>
                             <a:schemeClr val="tx1"/>
                           </a:solidFill>
+                          <a:latin typeface="+mn-lt"/>
                         </a:rPr>
                         <a:t>김상규</a:t>
                       </a:r>
@@ -6600,6 +5714,7 @@
                           <a:solidFill>
                             <a:schemeClr val="tx1"/>
                           </a:solidFill>
+                          <a:latin typeface="+mn-lt"/>
                         </a:rPr>
                         <a:t>, </a:t>
                       </a:r>
@@ -6608,6 +5723,7 @@
                           <a:solidFill>
                             <a:schemeClr val="tx1"/>
                           </a:solidFill>
+                          <a:latin typeface="+mn-lt"/>
                         </a:rPr>
                         <a:t>이웅희</a:t>
                       </a:r>
@@ -6616,6 +5732,7 @@
                           <a:solidFill>
                             <a:schemeClr val="tx1"/>
                           </a:solidFill>
+                          <a:latin typeface="+mn-lt"/>
                         </a:rPr>
                         <a:t>, </a:t>
                       </a:r>
@@ -6624,6 +5741,7 @@
                           <a:solidFill>
                             <a:schemeClr val="tx1"/>
                           </a:solidFill>
+                          <a:latin typeface="+mn-lt"/>
                         </a:rPr>
                         <a:t>조병무</a:t>
                       </a:r>
@@ -6669,7 +5787,7 @@
                     <a:noFill/>
                   </a:tcPr>
                 </a:tc>
-                <a:tc rowSpan="2">
+                <a:tc>
                   <a:txBody>
                     <a:bodyPr/>
                     <a:lstStyle/>
@@ -6696,12 +5814,13 @@
                           <a:solidFill>
                             <a:schemeClr val="tx1"/>
                           </a:solidFill>
+                          <a:latin typeface="+mn-lt"/>
                         </a:rPr>
                         <a:t>김찬우</a:t>
                       </a:r>
                     </a:p>
                   </a:txBody>
-                  <a:tcPr anchor="ctr">
+                  <a:tcPr>
                     <a:lnL w="3175" cap="flat" cmpd="sng" algn="ctr">
                       <a:solidFill>
                         <a:schemeClr val="tx1"/>
@@ -6747,10 +5866,29 @@
                     <a:lstStyle/>
                     <a:p>
                       <a:pPr algn="ctr" latinLnBrk="1"/>
+                      <a:r>
+                        <a:rPr lang="en-US" altLang="ko-KR" sz="1600" b="0" dirty="0" smtClean="0">
+                          <a:solidFill>
+                            <a:schemeClr val="tx1"/>
+                          </a:solidFill>
+                          <a:latin typeface="+mn-lt"/>
+                        </a:rPr>
+                        <a:t>710</a:t>
+                      </a:r>
+                      <a:r>
+                        <a:rPr lang="ko-KR" altLang="en-US" sz="1600" b="0" dirty="0" smtClean="0">
+                          <a:solidFill>
+                            <a:schemeClr val="tx1"/>
+                          </a:solidFill>
+                          <a:latin typeface="+mn-lt"/>
+                        </a:rPr>
+                        <a:t>호</a:t>
+                      </a:r>
                       <a:endParaRPr lang="ko-KR" altLang="en-US" sz="1600" b="0" dirty="0">
                         <a:solidFill>
                           <a:schemeClr val="tx1"/>
                         </a:solidFill>
+                        <a:latin typeface="+mn-lt"/>
                       </a:endParaRPr>
                     </a:p>
                   </a:txBody>
@@ -6807,14 +5945,16 @@
                           <a:solidFill>
                             <a:schemeClr val="tx1"/>
                           </a:solidFill>
+                          <a:latin typeface="+mn-lt"/>
                         </a:rPr>
-                        <a:t>7</a:t>
+                        <a:t>4</a:t>
                       </a:r>
                       <a:r>
                         <a:rPr lang="ko-KR" altLang="en-US" sz="1600" b="0" dirty="0" smtClean="0">
                           <a:solidFill>
                             <a:schemeClr val="tx1"/>
                           </a:solidFill>
+                          <a:latin typeface="+mn-lt"/>
                         </a:rPr>
                         <a:t>조</a:t>
                       </a:r>
@@ -6822,6 +5962,7 @@
                         <a:solidFill>
                           <a:schemeClr val="tx1"/>
                         </a:solidFill>
+                        <a:latin typeface="+mn-lt"/>
                       </a:endParaRPr>
                     </a:p>
                   </a:txBody>
@@ -6876,14 +6017,16 @@
                           <a:solidFill>
                             <a:schemeClr val="tx1"/>
                           </a:solidFill>
+                          <a:latin typeface="+mn-lt"/>
                         </a:rPr>
-                        <a:t>이희철</a:t>
+                        <a:t>오진영</a:t>
                       </a:r>
                       <a:r>
                         <a:rPr lang="en-US" altLang="ko-KR" sz="1600" b="0" dirty="0" smtClean="0">
                           <a:solidFill>
                             <a:schemeClr val="tx1"/>
                           </a:solidFill>
+                          <a:latin typeface="+mn-lt"/>
                         </a:rPr>
                         <a:t>, </a:t>
                       </a:r>
@@ -6892,13 +6035,33 @@
                           <a:solidFill>
                             <a:schemeClr val="tx1"/>
                           </a:solidFill>
+                          <a:latin typeface="+mn-lt"/>
                         </a:rPr>
-                        <a:t>최용호</a:t>
+                        <a:t>이경욱</a:t>
+                      </a:r>
+                      <a:r>
+                        <a:rPr lang="en-US" altLang="ko-KR" sz="1600" b="0" dirty="0" smtClean="0">
+                          <a:solidFill>
+                            <a:schemeClr val="tx1"/>
+                          </a:solidFill>
+                          <a:latin typeface="+mn-lt"/>
+                        </a:rPr>
+                        <a:t>, </a:t>
+                      </a:r>
+                      <a:r>
+                        <a:rPr lang="ko-KR" altLang="en-US" sz="1600" b="0" dirty="0" smtClean="0">
+                          <a:solidFill>
+                            <a:schemeClr val="tx1"/>
+                          </a:solidFill>
+                          <a:latin typeface="+mn-lt"/>
+                        </a:rPr>
+                        <a:t>최준혁</a:t>
                       </a:r>
                       <a:endParaRPr lang="ko-KR" altLang="en-US" sz="1600" b="0" dirty="0">
                         <a:solidFill>
                           <a:schemeClr val="tx1"/>
                         </a:solidFill>
+                        <a:latin typeface="+mn-lt"/>
                       </a:endParaRPr>
                     </a:p>
                   </a:txBody>
@@ -6942,7 +6105,569 @@
                     <a:noFill/>
                   </a:tcPr>
                 </a:tc>
-                <a:tc vMerge="1">
+                <a:tc>
+                  <a:txBody>
+                    <a:bodyPr/>
+                    <a:lstStyle/>
+                    <a:p>
+                      <a:pPr algn="ctr" latinLnBrk="1"/>
+                      <a:r>
+                        <a:rPr lang="ko-KR" altLang="en-US" sz="1600" b="0" dirty="0" smtClean="0">
+                          <a:solidFill>
+                            <a:schemeClr val="tx1"/>
+                          </a:solidFill>
+                          <a:latin typeface="+mn-lt"/>
+                        </a:rPr>
+                        <a:t>장성훈</a:t>
+                      </a:r>
+                      <a:endParaRPr lang="ko-KR" altLang="en-US" sz="1600" b="0" dirty="0">
+                        <a:solidFill>
+                          <a:schemeClr val="tx1"/>
+                        </a:solidFill>
+                        <a:latin typeface="+mn-lt"/>
+                      </a:endParaRPr>
+                    </a:p>
+                  </a:txBody>
+                  <a:tcPr>
+                    <a:lnL w="3175" cap="flat" cmpd="sng" algn="ctr">
+                      <a:solidFill>
+                        <a:schemeClr val="tx1"/>
+                      </a:solidFill>
+                      <a:prstDash val="solid"/>
+                      <a:round/>
+                      <a:headEnd type="none" w="med" len="med"/>
+                      <a:tailEnd type="none" w="med" len="med"/>
+                    </a:lnL>
+                    <a:lnR w="3175" cap="flat" cmpd="sng" algn="ctr">
+                      <a:solidFill>
+                        <a:schemeClr val="tx1"/>
+                      </a:solidFill>
+                      <a:prstDash val="solid"/>
+                      <a:round/>
+                      <a:headEnd type="none" w="med" len="med"/>
+                      <a:tailEnd type="none" w="med" len="med"/>
+                    </a:lnR>
+                    <a:lnT w="3175" cap="flat" cmpd="sng" algn="ctr">
+                      <a:solidFill>
+                        <a:schemeClr val="tx1"/>
+                      </a:solidFill>
+                      <a:prstDash val="solid"/>
+                      <a:round/>
+                      <a:headEnd type="none" w="med" len="med"/>
+                      <a:tailEnd type="none" w="med" len="med"/>
+                    </a:lnT>
+                    <a:lnB w="3175" cap="flat" cmpd="sng" algn="ctr">
+                      <a:solidFill>
+                        <a:schemeClr val="tx1"/>
+                      </a:solidFill>
+                      <a:prstDash val="solid"/>
+                      <a:round/>
+                      <a:headEnd type="none" w="med" len="med"/>
+                      <a:tailEnd type="none" w="med" len="med"/>
+                    </a:lnB>
+                    <a:noFill/>
+                  </a:tcPr>
+                </a:tc>
+                <a:tc>
+                  <a:txBody>
+                    <a:bodyPr/>
+                    <a:lstStyle/>
+                    <a:p>
+                      <a:pPr algn="ctr" latinLnBrk="1"/>
+                      <a:r>
+                        <a:rPr lang="en-US" altLang="ko-KR" sz="1600" b="0" dirty="0" smtClean="0">
+                          <a:solidFill>
+                            <a:schemeClr val="tx1"/>
+                          </a:solidFill>
+                          <a:latin typeface="+mn-lt"/>
+                        </a:rPr>
+                        <a:t>710</a:t>
+                      </a:r>
+                      <a:r>
+                        <a:rPr lang="ko-KR" altLang="en-US" sz="1600" b="0" dirty="0" smtClean="0">
+                          <a:solidFill>
+                            <a:schemeClr val="tx1"/>
+                          </a:solidFill>
+                          <a:latin typeface="+mn-lt"/>
+                        </a:rPr>
+                        <a:t>호</a:t>
+                      </a:r>
+                      <a:endParaRPr lang="ko-KR" altLang="en-US" sz="1600" b="0" dirty="0">
+                        <a:solidFill>
+                          <a:schemeClr val="tx1"/>
+                        </a:solidFill>
+                        <a:latin typeface="+mn-lt"/>
+                      </a:endParaRPr>
+                    </a:p>
+                  </a:txBody>
+                  <a:tcPr>
+                    <a:lnL w="3175" cap="flat" cmpd="sng" algn="ctr">
+                      <a:solidFill>
+                        <a:schemeClr val="tx1"/>
+                      </a:solidFill>
+                      <a:prstDash val="solid"/>
+                      <a:round/>
+                      <a:headEnd type="none" w="med" len="med"/>
+                      <a:tailEnd type="none" w="med" len="med"/>
+                    </a:lnL>
+                    <a:lnR w="3175" cap="flat" cmpd="sng" algn="ctr">
+                      <a:solidFill>
+                        <a:schemeClr val="tx1"/>
+                      </a:solidFill>
+                      <a:prstDash val="solid"/>
+                      <a:round/>
+                      <a:headEnd type="none" w="med" len="med"/>
+                      <a:tailEnd type="none" w="med" len="med"/>
+                    </a:lnR>
+                    <a:lnT w="3175" cap="flat" cmpd="sng" algn="ctr">
+                      <a:solidFill>
+                        <a:schemeClr val="tx1"/>
+                      </a:solidFill>
+                      <a:prstDash val="solid"/>
+                      <a:round/>
+                      <a:headEnd type="none" w="med" len="med"/>
+                      <a:tailEnd type="none" w="med" len="med"/>
+                    </a:lnT>
+                    <a:lnB w="3175" cap="flat" cmpd="sng" algn="ctr">
+                      <a:solidFill>
+                        <a:schemeClr val="tx1"/>
+                      </a:solidFill>
+                      <a:prstDash val="solid"/>
+                      <a:round/>
+                      <a:headEnd type="none" w="med" len="med"/>
+                      <a:tailEnd type="none" w="med" len="med"/>
+                    </a:lnB>
+                    <a:noFill/>
+                  </a:tcPr>
+                </a:tc>
+              </a:tr>
+              <a:tr h="370840">
+                <a:tc>
+                  <a:txBody>
+                    <a:bodyPr/>
+                    <a:lstStyle/>
+                    <a:p>
+                      <a:pPr algn="ctr" latinLnBrk="1"/>
+                      <a:r>
+                        <a:rPr lang="en-US" altLang="ko-KR" sz="1600" b="0" dirty="0" smtClean="0">
+                          <a:solidFill>
+                            <a:schemeClr val="tx1"/>
+                          </a:solidFill>
+                          <a:latin typeface="+mn-lt"/>
+                        </a:rPr>
+                        <a:t>5</a:t>
+                      </a:r>
+                      <a:r>
+                        <a:rPr lang="ko-KR" altLang="en-US" sz="1600" b="0" dirty="0" smtClean="0">
+                          <a:solidFill>
+                            <a:schemeClr val="tx1"/>
+                          </a:solidFill>
+                          <a:latin typeface="+mn-lt"/>
+                        </a:rPr>
+                        <a:t>조</a:t>
+                      </a:r>
+                      <a:endParaRPr lang="ko-KR" altLang="en-US" sz="1600" b="0" dirty="0">
+                        <a:solidFill>
+                          <a:schemeClr val="tx1"/>
+                        </a:solidFill>
+                        <a:latin typeface="+mn-lt"/>
+                      </a:endParaRPr>
+                    </a:p>
+                  </a:txBody>
+                  <a:tcPr>
+                    <a:lnL w="3175" cap="flat" cmpd="sng" algn="ctr">
+                      <a:solidFill>
+                        <a:schemeClr val="tx1"/>
+                      </a:solidFill>
+                      <a:prstDash val="solid"/>
+                      <a:round/>
+                      <a:headEnd type="none" w="med" len="med"/>
+                      <a:tailEnd type="none" w="med" len="med"/>
+                    </a:lnL>
+                    <a:lnR w="3175" cap="flat" cmpd="sng" algn="ctr">
+                      <a:solidFill>
+                        <a:schemeClr val="tx1"/>
+                      </a:solidFill>
+                      <a:prstDash val="solid"/>
+                      <a:round/>
+                      <a:headEnd type="none" w="med" len="med"/>
+                      <a:tailEnd type="none" w="med" len="med"/>
+                    </a:lnR>
+                    <a:lnT w="3175" cap="flat" cmpd="sng" algn="ctr">
+                      <a:solidFill>
+                        <a:schemeClr val="tx1"/>
+                      </a:solidFill>
+                      <a:prstDash val="solid"/>
+                      <a:round/>
+                      <a:headEnd type="none" w="med" len="med"/>
+                      <a:tailEnd type="none" w="med" len="med"/>
+                    </a:lnT>
+                    <a:lnB w="3175" cap="flat" cmpd="sng" algn="ctr">
+                      <a:solidFill>
+                        <a:schemeClr val="tx1"/>
+                      </a:solidFill>
+                      <a:prstDash val="solid"/>
+                      <a:round/>
+                      <a:headEnd type="none" w="med" len="med"/>
+                      <a:tailEnd type="none" w="med" len="med"/>
+                    </a:lnB>
+                    <a:noFill/>
+                  </a:tcPr>
+                </a:tc>
+                <a:tc>
+                  <a:txBody>
+                    <a:bodyPr/>
+                    <a:lstStyle/>
+                    <a:p>
+                      <a:pPr algn="ctr" latinLnBrk="1"/>
+                      <a:r>
+                        <a:rPr lang="ko-KR" altLang="en-US" sz="1600" b="0" smtClean="0">
+                          <a:solidFill>
+                            <a:schemeClr val="tx1"/>
+                          </a:solidFill>
+                          <a:latin typeface="+mn-lt"/>
+                        </a:rPr>
+                        <a:t>임도균</a:t>
+                      </a:r>
+                      <a:r>
+                        <a:rPr lang="en-US" altLang="ko-KR" sz="1600" b="0" smtClean="0">
+                          <a:solidFill>
+                            <a:schemeClr val="tx1"/>
+                          </a:solidFill>
+                          <a:latin typeface="+mn-lt"/>
+                        </a:rPr>
+                        <a:t>,</a:t>
+                      </a:r>
+                      <a:r>
+                        <a:rPr lang="en-US" altLang="ko-KR" sz="1600" b="0" baseline="0" smtClean="0">
+                          <a:solidFill>
+                            <a:schemeClr val="tx1"/>
+                          </a:solidFill>
+                          <a:latin typeface="+mn-lt"/>
+                        </a:rPr>
+                        <a:t> </a:t>
+                      </a:r>
+                      <a:r>
+                        <a:rPr lang="ko-KR" altLang="en-US" sz="1600" b="0" baseline="0" smtClean="0">
+                          <a:solidFill>
+                            <a:schemeClr val="tx1"/>
+                          </a:solidFill>
+                          <a:latin typeface="+mn-lt"/>
+                        </a:rPr>
+                        <a:t>전수연</a:t>
+                      </a:r>
+                      <a:r>
+                        <a:rPr lang="en-US" altLang="ko-KR" sz="1600" b="0" baseline="0" smtClean="0">
+                          <a:solidFill>
+                            <a:schemeClr val="tx1"/>
+                          </a:solidFill>
+                          <a:latin typeface="+mn-lt"/>
+                        </a:rPr>
+                        <a:t>, </a:t>
+                      </a:r>
+                      <a:r>
+                        <a:rPr lang="ko-KR" altLang="en-US" sz="1600" b="0" baseline="0" smtClean="0">
+                          <a:solidFill>
+                            <a:schemeClr val="tx1"/>
+                          </a:solidFill>
+                          <a:latin typeface="+mn-lt"/>
+                        </a:rPr>
+                        <a:t>민다희</a:t>
+                      </a:r>
+                      <a:r>
+                        <a:rPr lang="en-US" altLang="ko-KR" sz="1600" b="0" baseline="0" smtClean="0">
+                          <a:solidFill>
+                            <a:schemeClr val="tx1"/>
+                          </a:solidFill>
+                          <a:latin typeface="+mn-lt"/>
+                        </a:rPr>
+                        <a:t>, </a:t>
+                      </a:r>
+                      <a:r>
+                        <a:rPr lang="ko-KR" altLang="en-US" sz="1600" b="0" baseline="0" smtClean="0">
+                          <a:solidFill>
+                            <a:schemeClr val="tx1"/>
+                          </a:solidFill>
+                          <a:latin typeface="+mn-lt"/>
+                        </a:rPr>
+                        <a:t>박성지</a:t>
+                      </a:r>
+                      <a:r>
+                        <a:rPr lang="en-US" altLang="ko-KR" sz="1600" b="0" baseline="0" smtClean="0">
+                          <a:solidFill>
+                            <a:schemeClr val="tx1"/>
+                          </a:solidFill>
+                          <a:latin typeface="+mn-lt"/>
+                        </a:rPr>
+                        <a:t>, </a:t>
+                      </a:r>
+                      <a:r>
+                        <a:rPr lang="ko-KR" altLang="en-US" sz="1600" b="0" baseline="0" smtClean="0">
+                          <a:solidFill>
+                            <a:schemeClr val="tx1"/>
+                          </a:solidFill>
+                          <a:latin typeface="+mn-lt"/>
+                        </a:rPr>
+                        <a:t>류경민</a:t>
+                      </a:r>
+                      <a:endParaRPr lang="ko-KR" altLang="en-US" sz="1600" b="0" dirty="0">
+                        <a:solidFill>
+                          <a:schemeClr val="tx1"/>
+                        </a:solidFill>
+                        <a:latin typeface="+mn-lt"/>
+                      </a:endParaRPr>
+                    </a:p>
+                  </a:txBody>
+                  <a:tcPr>
+                    <a:lnL w="3175" cap="flat" cmpd="sng" algn="ctr">
+                      <a:solidFill>
+                        <a:schemeClr val="tx1"/>
+                      </a:solidFill>
+                      <a:prstDash val="solid"/>
+                      <a:round/>
+                      <a:headEnd type="none" w="med" len="med"/>
+                      <a:tailEnd type="none" w="med" len="med"/>
+                    </a:lnL>
+                    <a:lnR w="3175" cap="flat" cmpd="sng" algn="ctr">
+                      <a:solidFill>
+                        <a:schemeClr val="tx1"/>
+                      </a:solidFill>
+                      <a:prstDash val="solid"/>
+                      <a:round/>
+                      <a:headEnd type="none" w="med" len="med"/>
+                      <a:tailEnd type="none" w="med" len="med"/>
+                    </a:lnR>
+                    <a:lnT w="3175" cap="flat" cmpd="sng" algn="ctr">
+                      <a:solidFill>
+                        <a:schemeClr val="tx1"/>
+                      </a:solidFill>
+                      <a:prstDash val="solid"/>
+                      <a:round/>
+                      <a:headEnd type="none" w="med" len="med"/>
+                      <a:tailEnd type="none" w="med" len="med"/>
+                    </a:lnT>
+                    <a:lnB w="3175" cap="flat" cmpd="sng" algn="ctr">
+                      <a:solidFill>
+                        <a:schemeClr val="tx1"/>
+                      </a:solidFill>
+                      <a:prstDash val="solid"/>
+                      <a:round/>
+                      <a:headEnd type="none" w="med" len="med"/>
+                      <a:tailEnd type="none" w="med" len="med"/>
+                    </a:lnB>
+                    <a:noFill/>
+                  </a:tcPr>
+                </a:tc>
+                <a:tc>
+                  <a:txBody>
+                    <a:bodyPr/>
+                    <a:lstStyle/>
+                    <a:p>
+                      <a:pPr algn="ctr" latinLnBrk="1"/>
+                      <a:r>
+                        <a:rPr lang="ko-KR" altLang="en-US" sz="1600" b="0" dirty="0" smtClean="0">
+                          <a:solidFill>
+                            <a:schemeClr val="tx1"/>
+                          </a:solidFill>
+                          <a:latin typeface="+mn-lt"/>
+                        </a:rPr>
+                        <a:t>송현옥</a:t>
+                      </a:r>
+                      <a:endParaRPr lang="ko-KR" altLang="en-US" sz="1600" b="0" dirty="0">
+                        <a:solidFill>
+                          <a:schemeClr val="tx1"/>
+                        </a:solidFill>
+                        <a:latin typeface="+mn-lt"/>
+                      </a:endParaRPr>
+                    </a:p>
+                  </a:txBody>
+                  <a:tcPr>
+                    <a:lnL w="3175" cap="flat" cmpd="sng" algn="ctr">
+                      <a:solidFill>
+                        <a:schemeClr val="tx1"/>
+                      </a:solidFill>
+                      <a:prstDash val="solid"/>
+                      <a:round/>
+                      <a:headEnd type="none" w="med" len="med"/>
+                      <a:tailEnd type="none" w="med" len="med"/>
+                    </a:lnL>
+                    <a:lnR w="3175" cap="flat" cmpd="sng" algn="ctr">
+                      <a:solidFill>
+                        <a:schemeClr val="tx1"/>
+                      </a:solidFill>
+                      <a:prstDash val="solid"/>
+                      <a:round/>
+                      <a:headEnd type="none" w="med" len="med"/>
+                      <a:tailEnd type="none" w="med" len="med"/>
+                    </a:lnR>
+                    <a:lnT w="3175" cap="flat" cmpd="sng" algn="ctr">
+                      <a:solidFill>
+                        <a:schemeClr val="tx1"/>
+                      </a:solidFill>
+                      <a:prstDash val="solid"/>
+                      <a:round/>
+                      <a:headEnd type="none" w="med" len="med"/>
+                      <a:tailEnd type="none" w="med" len="med"/>
+                    </a:lnT>
+                    <a:lnB w="3175" cap="flat" cmpd="sng" algn="ctr">
+                      <a:solidFill>
+                        <a:schemeClr val="tx1"/>
+                      </a:solidFill>
+                      <a:prstDash val="solid"/>
+                      <a:round/>
+                      <a:headEnd type="none" w="med" len="med"/>
+                      <a:tailEnd type="none" w="med" len="med"/>
+                    </a:lnB>
+                    <a:noFill/>
+                  </a:tcPr>
+                </a:tc>
+                <a:tc>
+                  <a:txBody>
+                    <a:bodyPr/>
+                    <a:lstStyle/>
+                    <a:p>
+                      <a:pPr algn="ctr" latinLnBrk="1"/>
+                      <a:r>
+                        <a:rPr lang="en-US" altLang="ko-KR" sz="1600" b="0" dirty="0" smtClean="0">
+                          <a:solidFill>
+                            <a:schemeClr val="tx1"/>
+                          </a:solidFill>
+                          <a:latin typeface="+mn-lt"/>
+                        </a:rPr>
+                        <a:t>709</a:t>
+                      </a:r>
+                      <a:r>
+                        <a:rPr lang="ko-KR" altLang="en-US" sz="1600" b="0" dirty="0" smtClean="0">
+                          <a:solidFill>
+                            <a:schemeClr val="tx1"/>
+                          </a:solidFill>
+                          <a:latin typeface="+mn-lt"/>
+                        </a:rPr>
+                        <a:t>호</a:t>
+                      </a:r>
+                      <a:endParaRPr lang="ko-KR" altLang="en-US" sz="1600" b="0" dirty="0">
+                        <a:solidFill>
+                          <a:schemeClr val="tx1"/>
+                        </a:solidFill>
+                        <a:latin typeface="+mn-lt"/>
+                      </a:endParaRPr>
+                    </a:p>
+                  </a:txBody>
+                  <a:tcPr>
+                    <a:lnL w="3175" cap="flat" cmpd="sng" algn="ctr">
+                      <a:solidFill>
+                        <a:schemeClr val="tx1"/>
+                      </a:solidFill>
+                      <a:prstDash val="solid"/>
+                      <a:round/>
+                      <a:headEnd type="none" w="med" len="med"/>
+                      <a:tailEnd type="none" w="med" len="med"/>
+                    </a:lnL>
+                    <a:lnR w="3175" cap="flat" cmpd="sng" algn="ctr">
+                      <a:solidFill>
+                        <a:schemeClr val="tx1"/>
+                      </a:solidFill>
+                      <a:prstDash val="solid"/>
+                      <a:round/>
+                      <a:headEnd type="none" w="med" len="med"/>
+                      <a:tailEnd type="none" w="med" len="med"/>
+                    </a:lnR>
+                    <a:lnT w="3175" cap="flat" cmpd="sng" algn="ctr">
+                      <a:solidFill>
+                        <a:schemeClr val="tx1"/>
+                      </a:solidFill>
+                      <a:prstDash val="solid"/>
+                      <a:round/>
+                      <a:headEnd type="none" w="med" len="med"/>
+                      <a:tailEnd type="none" w="med" len="med"/>
+                    </a:lnT>
+                    <a:lnB w="3175" cap="flat" cmpd="sng" algn="ctr">
+                      <a:solidFill>
+                        <a:schemeClr val="tx1"/>
+                      </a:solidFill>
+                      <a:prstDash val="solid"/>
+                      <a:round/>
+                      <a:headEnd type="none" w="med" len="med"/>
+                      <a:tailEnd type="none" w="med" len="med"/>
+                    </a:lnB>
+                    <a:noFill/>
+                  </a:tcPr>
+                </a:tc>
+              </a:tr>
+              <a:tr h="370840">
+                <a:tc>
+                  <a:txBody>
+                    <a:bodyPr/>
+                    <a:lstStyle/>
+                    <a:p>
+                      <a:pPr algn="ctr" latinLnBrk="1"/>
+                      <a:r>
+                        <a:rPr lang="en-US" altLang="ko-KR" sz="1600" b="0" dirty="0" smtClean="0">
+                          <a:solidFill>
+                            <a:schemeClr val="tx1"/>
+                          </a:solidFill>
+                          <a:latin typeface="+mn-lt"/>
+                        </a:rPr>
+                        <a:t>6</a:t>
+                      </a:r>
+                      <a:r>
+                        <a:rPr lang="ko-KR" altLang="en-US" sz="1600" b="0" dirty="0" smtClean="0">
+                          <a:solidFill>
+                            <a:schemeClr val="tx1"/>
+                          </a:solidFill>
+                          <a:latin typeface="+mn-lt"/>
+                        </a:rPr>
+                        <a:t>조</a:t>
+                      </a:r>
+                      <a:endParaRPr lang="ko-KR" altLang="en-US" sz="1600" b="0" dirty="0">
+                        <a:solidFill>
+                          <a:schemeClr val="tx1"/>
+                        </a:solidFill>
+                        <a:latin typeface="+mn-lt"/>
+                      </a:endParaRPr>
+                    </a:p>
+                  </a:txBody>
+                  <a:tcPr>
+                    <a:lnL w="3175" cap="flat" cmpd="sng" algn="ctr">
+                      <a:solidFill>
+                        <a:schemeClr val="tx1"/>
+                      </a:solidFill>
+                      <a:prstDash val="solid"/>
+                      <a:round/>
+                      <a:headEnd type="none" w="med" len="med"/>
+                      <a:tailEnd type="none" w="med" len="med"/>
+                    </a:lnL>
+                    <a:lnR w="3175" cap="flat" cmpd="sng" algn="ctr">
+                      <a:solidFill>
+                        <a:schemeClr val="tx1"/>
+                      </a:solidFill>
+                      <a:prstDash val="solid"/>
+                      <a:round/>
+                      <a:headEnd type="none" w="med" len="med"/>
+                      <a:tailEnd type="none" w="med" len="med"/>
+                    </a:lnR>
+                    <a:lnT w="3175" cap="flat" cmpd="sng" algn="ctr">
+                      <a:solidFill>
+                        <a:schemeClr val="tx1"/>
+                      </a:solidFill>
+                      <a:prstDash val="solid"/>
+                      <a:round/>
+                      <a:headEnd type="none" w="med" len="med"/>
+                      <a:tailEnd type="none" w="med" len="med"/>
+                    </a:lnT>
+                    <a:lnB w="3175" cap="flat" cmpd="sng" algn="ctr">
+                      <a:solidFill>
+                        <a:schemeClr val="tx1"/>
+                      </a:solidFill>
+                      <a:prstDash val="solid"/>
+                      <a:round/>
+                      <a:headEnd type="none" w="med" len="med"/>
+                      <a:tailEnd type="none" w="med" len="med"/>
+                    </a:lnB>
+                    <a:noFill/>
+                  </a:tcPr>
+                </a:tc>
+                <a:tc>
                   <a:txBody>
                     <a:bodyPr/>
                     <a:lstStyle/>
@@ -6964,14 +6689,181 @@
                         <a:tabLst/>
                         <a:defRPr/>
                       </a:pPr>
-                      <a:endParaRPr lang="ko-KR" altLang="en-US" sz="1600" b="0" dirty="0" smtClean="0">
-                        <a:solidFill>
-                          <a:schemeClr val="tx1"/>
-                        </a:solidFill>
-                      </a:endParaRPr>
+                      <a:r>
+                        <a:rPr lang="ko-KR" altLang="en-US" sz="1600" b="0" dirty="0" smtClean="0">
+                          <a:solidFill>
+                            <a:schemeClr val="tx1"/>
+                          </a:solidFill>
+                          <a:latin typeface="+mn-lt"/>
+                        </a:rPr>
+                        <a:t>김준성</a:t>
+                      </a:r>
+                      <a:r>
+                        <a:rPr lang="en-US" altLang="ko-KR" sz="1600" b="0" dirty="0" smtClean="0">
+                          <a:solidFill>
+                            <a:schemeClr val="tx1"/>
+                          </a:solidFill>
+                          <a:latin typeface="+mn-lt"/>
+                        </a:rPr>
+                        <a:t>, </a:t>
+                      </a:r>
+                      <a:r>
+                        <a:rPr lang="ko-KR" altLang="en-US" sz="1600" b="0" dirty="0" smtClean="0">
+                          <a:solidFill>
+                            <a:schemeClr val="tx1"/>
+                          </a:solidFill>
+                          <a:latin typeface="+mn-lt"/>
+                        </a:rPr>
+                        <a:t>김희범</a:t>
+                      </a:r>
+                      <a:r>
+                        <a:rPr lang="en-US" altLang="ko-KR" sz="1600" b="0" dirty="0" smtClean="0">
+                          <a:solidFill>
+                            <a:schemeClr val="tx1"/>
+                          </a:solidFill>
+                          <a:latin typeface="+mn-lt"/>
+                        </a:rPr>
+                        <a:t>, </a:t>
+                      </a:r>
+                      <a:r>
+                        <a:rPr lang="ko-KR" altLang="en-US" sz="1600" b="0" dirty="0" smtClean="0">
+                          <a:solidFill>
+                            <a:schemeClr val="tx1"/>
+                          </a:solidFill>
+                          <a:latin typeface="+mn-lt"/>
+                        </a:rPr>
+                        <a:t>남궁하영</a:t>
+                      </a:r>
+                      <a:r>
+                        <a:rPr lang="en-US" altLang="ko-KR" sz="1600" b="0" dirty="0" smtClean="0">
+                          <a:solidFill>
+                            <a:schemeClr val="tx1"/>
+                          </a:solidFill>
+                          <a:latin typeface="+mn-lt"/>
+                        </a:rPr>
+                        <a:t>, </a:t>
+                      </a:r>
+                      <a:r>
+                        <a:rPr lang="ko-KR" altLang="en-US" sz="1600" b="0" dirty="0" smtClean="0">
+                          <a:solidFill>
+                            <a:schemeClr val="tx1"/>
+                          </a:solidFill>
+                          <a:latin typeface="+mn-lt"/>
+                        </a:rPr>
+                        <a:t>안수현</a:t>
+                      </a:r>
+                      <a:r>
+                        <a:rPr lang="en-US" altLang="ko-KR" sz="1600" b="0" dirty="0" smtClean="0">
+                          <a:solidFill>
+                            <a:schemeClr val="tx1"/>
+                          </a:solidFill>
+                          <a:latin typeface="+mn-lt"/>
+                        </a:rPr>
+                        <a:t>, </a:t>
+                      </a:r>
+                      <a:r>
+                        <a:rPr lang="ko-KR" altLang="en-US" sz="1600" b="0" dirty="0" smtClean="0">
+                          <a:solidFill>
+                            <a:schemeClr val="tx1"/>
+                          </a:solidFill>
+                          <a:latin typeface="+mn-lt"/>
+                        </a:rPr>
+                        <a:t>이희철</a:t>
+                      </a:r>
+                      <a:r>
+                        <a:rPr lang="en-US" altLang="ko-KR" sz="1600" b="0" dirty="0" smtClean="0">
+                          <a:solidFill>
+                            <a:schemeClr val="tx1"/>
+                          </a:solidFill>
+                          <a:latin typeface="+mn-lt"/>
+                        </a:rPr>
+                        <a:t>, </a:t>
+                      </a:r>
+                      <a:r>
+                        <a:rPr lang="ko-KR" altLang="en-US" sz="1600" b="0" dirty="0" smtClean="0">
+                          <a:solidFill>
+                            <a:schemeClr val="tx1"/>
+                          </a:solidFill>
+                          <a:latin typeface="+mn-lt"/>
+                        </a:rPr>
+                        <a:t>최용호</a:t>
+                      </a:r>
                     </a:p>
                   </a:txBody>
                   <a:tcPr>
+                    <a:lnL w="3175" cap="flat" cmpd="sng" algn="ctr">
+                      <a:solidFill>
+                        <a:schemeClr val="tx1"/>
+                      </a:solidFill>
+                      <a:prstDash val="solid"/>
+                      <a:round/>
+                      <a:headEnd type="none" w="med" len="med"/>
+                      <a:tailEnd type="none" w="med" len="med"/>
+                    </a:lnL>
+                    <a:lnR w="3175" cap="flat" cmpd="sng" algn="ctr">
+                      <a:solidFill>
+                        <a:schemeClr val="tx1"/>
+                      </a:solidFill>
+                      <a:prstDash val="solid"/>
+                      <a:round/>
+                      <a:headEnd type="none" w="med" len="med"/>
+                      <a:tailEnd type="none" w="med" len="med"/>
+                    </a:lnR>
+                    <a:lnT w="3175" cap="flat" cmpd="sng" algn="ctr">
+                      <a:solidFill>
+                        <a:schemeClr val="tx1"/>
+                      </a:solidFill>
+                      <a:prstDash val="solid"/>
+                      <a:round/>
+                      <a:headEnd type="none" w="med" len="med"/>
+                      <a:tailEnd type="none" w="med" len="med"/>
+                    </a:lnT>
+                    <a:lnB w="3175" cap="flat" cmpd="sng" algn="ctr">
+                      <a:solidFill>
+                        <a:schemeClr val="tx1"/>
+                      </a:solidFill>
+                      <a:prstDash val="solid"/>
+                      <a:round/>
+                      <a:headEnd type="none" w="med" len="med"/>
+                      <a:tailEnd type="none" w="med" len="med"/>
+                    </a:lnB>
+                    <a:noFill/>
+                  </a:tcPr>
+                </a:tc>
+                <a:tc>
+                  <a:txBody>
+                    <a:bodyPr/>
+                    <a:lstStyle/>
+                    <a:p>
+                      <a:pPr marL="0" marR="0" indent="0" algn="ctr" defTabSz="914400" rtl="0" eaLnBrk="1" fontAlgn="auto" latinLnBrk="1" hangingPunct="1">
+                        <a:lnSpc>
+                          <a:spcPct val="100000"/>
+                        </a:lnSpc>
+                        <a:spcBef>
+                          <a:spcPts val="0"/>
+                        </a:spcBef>
+                        <a:spcAft>
+                          <a:spcPts val="0"/>
+                        </a:spcAft>
+                        <a:buClrTx/>
+                        <a:buSzTx/>
+                        <a:buFontTx/>
+                        <a:buNone/>
+                        <a:tabLst/>
+                        <a:defRPr/>
+                      </a:pPr>
+                      <a:r>
+                        <a:rPr lang="ko-KR" altLang="en-US" sz="1600" b="0" dirty="0" smtClean="0">
+                          <a:solidFill>
+                            <a:schemeClr val="tx1"/>
+                          </a:solidFill>
+                          <a:latin typeface="+mn-lt"/>
+                        </a:rPr>
+                        <a:t>김동욱</a:t>
+                      </a:r>
+                    </a:p>
+                  </a:txBody>
+                  <a:tcPr anchor="ctr">
                     <a:lnL w="3175" cap="flat" cmpd="sng" algn="ctr">
                       <a:solidFill>
                         <a:schemeClr val="tx1"/>
@@ -7017,10 +6909,29 @@
                     <a:lstStyle/>
                     <a:p>
                       <a:pPr algn="ctr" latinLnBrk="1"/>
+                      <a:r>
+                        <a:rPr lang="en-US" altLang="ko-KR" sz="1600" b="0" dirty="0" smtClean="0">
+                          <a:solidFill>
+                            <a:schemeClr val="tx1"/>
+                          </a:solidFill>
+                          <a:latin typeface="+mn-lt"/>
+                        </a:rPr>
+                        <a:t>709</a:t>
+                      </a:r>
+                      <a:r>
+                        <a:rPr lang="ko-KR" altLang="en-US" sz="1600" b="0" dirty="0" smtClean="0">
+                          <a:solidFill>
+                            <a:schemeClr val="tx1"/>
+                          </a:solidFill>
+                          <a:latin typeface="+mn-lt"/>
+                        </a:rPr>
+                        <a:t>호</a:t>
+                      </a:r>
                       <a:endParaRPr lang="ko-KR" altLang="en-US" sz="1600" b="0" dirty="0">
                         <a:solidFill>
                           <a:schemeClr val="tx1"/>
                         </a:solidFill>
+                        <a:latin typeface="+mn-lt"/>
                       </a:endParaRPr>
                     </a:p>
                   </a:txBody>
@@ -7077,7 +6988,7 @@
         </p:nvSpPr>
         <p:spPr>
           <a:xfrm>
-            <a:off x="755576" y="4411851"/>
+            <a:off x="755576" y="4221088"/>
             <a:ext cx="2319866" cy="338554"/>
           </a:xfrm>
           <a:prstGeom prst="rect">
